--- a/syllabus/week-01-intro-to-Data-Warehousing/2-course-outline-and-intro-to-DW/course_outline_and_DW_concepts/01_introduction_to_DW_course.pptx
+++ b/syllabus/week-01-intro-to-Data-Warehousing/2-course-outline-and-intro-to-DW/course_outline_and_DW_concepts/01_introduction_to_DW_course.pptx
@@ -5,7 +5,7 @@
     <p:sldMasterId id="2147483660" r:id="rId1"/>
   </p:sldMasterIdLst>
   <p:notesMasterIdLst>
-    <p:notesMasterId r:id="rId39"/>
+    <p:notesMasterId r:id="rId38"/>
   </p:notesMasterIdLst>
   <p:sldIdLst>
     <p:sldId id="256" r:id="rId2"/>
@@ -24,27 +24,26 @@
     <p:sldId id="268" r:id="rId15"/>
     <p:sldId id="269" r:id="rId16"/>
     <p:sldId id="270" r:id="rId17"/>
-    <p:sldId id="314" r:id="rId18"/>
-    <p:sldId id="273" r:id="rId19"/>
-    <p:sldId id="315" r:id="rId20"/>
-    <p:sldId id="316" r:id="rId21"/>
-    <p:sldId id="276" r:id="rId22"/>
-    <p:sldId id="277" r:id="rId23"/>
-    <p:sldId id="278" r:id="rId24"/>
-    <p:sldId id="279" r:id="rId25"/>
-    <p:sldId id="280" r:id="rId26"/>
-    <p:sldId id="283" r:id="rId27"/>
-    <p:sldId id="302" r:id="rId28"/>
-    <p:sldId id="303" r:id="rId29"/>
-    <p:sldId id="304" r:id="rId30"/>
-    <p:sldId id="325" r:id="rId31"/>
-    <p:sldId id="326" r:id="rId32"/>
-    <p:sldId id="327" r:id="rId33"/>
-    <p:sldId id="288" r:id="rId34"/>
-    <p:sldId id="289" r:id="rId35"/>
-    <p:sldId id="291" r:id="rId36"/>
-    <p:sldId id="333" r:id="rId37"/>
-    <p:sldId id="292" r:id="rId38"/>
+    <p:sldId id="273" r:id="rId18"/>
+    <p:sldId id="315" r:id="rId19"/>
+    <p:sldId id="316" r:id="rId20"/>
+    <p:sldId id="276" r:id="rId21"/>
+    <p:sldId id="277" r:id="rId22"/>
+    <p:sldId id="278" r:id="rId23"/>
+    <p:sldId id="279" r:id="rId24"/>
+    <p:sldId id="280" r:id="rId25"/>
+    <p:sldId id="283" r:id="rId26"/>
+    <p:sldId id="302" r:id="rId27"/>
+    <p:sldId id="303" r:id="rId28"/>
+    <p:sldId id="304" r:id="rId29"/>
+    <p:sldId id="325" r:id="rId30"/>
+    <p:sldId id="326" r:id="rId31"/>
+    <p:sldId id="327" r:id="rId32"/>
+    <p:sldId id="288" r:id="rId33"/>
+    <p:sldId id="289" r:id="rId34"/>
+    <p:sldId id="291" r:id="rId35"/>
+    <p:sldId id="333" r:id="rId36"/>
+    <p:sldId id="292" r:id="rId37"/>
   </p:sldIdLst>
   <p:sldSz cx="9144000" cy="6858000" type="screen4x3"/>
   <p:notesSz cx="6858000" cy="9144000"/>
@@ -244,7 +243,7 @@
           <a:p>
             <a:fld id="{D2652905-340A-7446-B80D-69FC56D9E8B0}" type="datetimeFigureOut">
               <a:rPr lang="en-US" smtClean="0"/>
-              <a:t>4/1/25</a:t>
+              <a:t>1/8/26</a:t>
             </a:fld>
             <a:endParaRPr lang="en-US"/>
           </a:p>
@@ -619,87 +618,23 @@
       </p:grpSpPr>
       <p:sp>
         <p:nvSpPr>
-          <p:cNvPr id="2" name="Slide Image Placeholder 1"/>
-          <p:cNvSpPr>
-            <a:spLocks noGrp="1" noRot="1" noChangeAspect="1"/>
-          </p:cNvSpPr>
-          <p:nvPr>
-            <p:ph type="sldImg"/>
-          </p:nvPr>
-        </p:nvSpPr>
-        <p:spPr/>
-      </p:sp>
-      <p:sp>
-        <p:nvSpPr>
-          <p:cNvPr id="3" name="Notes Placeholder 2"/>
-          <p:cNvSpPr>
-            <a:spLocks noGrp="1"/>
-          </p:cNvSpPr>
-          <p:nvPr>
-            <p:ph type="body" idx="1"/>
-          </p:nvPr>
-        </p:nvSpPr>
-        <p:spPr/>
-        <p:txBody>
-          <a:bodyPr>
-            <a:normAutofit/>
-          </a:bodyPr>
-          <a:lstStyle/>
-          <a:p>
-            <a:r>
-              <a:rPr lang="en-US" dirty="0"/>
-              <a:t>Give examples of how we helped astronomers with SQL Server</a:t>
-            </a:r>
-            <a:r>
-              <a:rPr lang="en-US" baseline="0" dirty="0"/>
-              <a:t> then </a:t>
-            </a:r>
-            <a:r>
-              <a:rPr lang="en-US" baseline="0" dirty="0" err="1"/>
-              <a:t>MapReduce</a:t>
-            </a:r>
-            <a:r>
-              <a:rPr lang="en-US" baseline="0" dirty="0"/>
-              <a:t>.</a:t>
-            </a:r>
-          </a:p>
-          <a:p>
-            <a:endParaRPr lang="en-US" baseline="0" dirty="0"/>
-          </a:p>
-          <a:p>
-            <a:r>
-              <a:rPr lang="en-US" baseline="0" dirty="0"/>
-              <a:t>LSST will produce 30TB of data per night!  Or 9PB per year.</a:t>
-            </a:r>
-          </a:p>
-          <a:p>
-            <a:r>
-              <a:rPr lang="en-US" baseline="0" dirty="0"/>
-              <a:t>Large Hadron Collider (LHC) looking for the Higgs particle, produced  25PB of data in 2012!</a:t>
-            </a:r>
-          </a:p>
-          <a:p>
-            <a:endParaRPr lang="en-US" dirty="0"/>
-          </a:p>
-        </p:txBody>
-      </p:sp>
-      <p:sp>
-        <p:nvSpPr>
-          <p:cNvPr id="4" name="Slide Number Placeholder 3"/>
-          <p:cNvSpPr>
-            <a:spLocks noGrp="1"/>
-          </p:cNvSpPr>
-          <p:nvPr>
-            <p:ph type="sldNum" sz="quarter" idx="10"/>
-          </p:nvPr>
-        </p:nvSpPr>
-        <p:spPr/>
+          <p:cNvPr id="7" name="Rectangle 7"/>
+          <p:cNvSpPr>
+            <a:spLocks noGrp="1" noChangeArrowheads="1"/>
+          </p:cNvSpPr>
+          <p:nvPr>
+            <p:ph type="sldNum" sz="quarter" idx="5"/>
+          </p:nvPr>
+        </p:nvSpPr>
+        <p:spPr>
+          <a:ln/>
+        </p:spPr>
         <p:txBody>
           <a:bodyPr/>
           <a:lstStyle/>
           <a:p>
-            <a:fld id="{71A4E7D1-EE80-F649-9228-971F3B05FF3C}" type="slidenum">
-              <a:rPr lang="en-US" smtClean="0"/>
+            <a:fld id="{AF6D69BA-FB66-1A41-9EB8-D4E0AD20BCD1}" type="slidenum">
+              <a:rPr lang="en-US"/>
               <a:pPr/>
               <a:t>20</a:t>
             </a:fld>
@@ -707,10 +642,43 @@
           </a:p>
         </p:txBody>
       </p:sp>
+      <p:sp>
+        <p:nvSpPr>
+          <p:cNvPr id="153602" name="Rectangle 2"/>
+          <p:cNvSpPr>
+            <a:spLocks noGrp="1" noRot="1" noChangeAspect="1" noChangeArrowheads="1" noTextEdit="1"/>
+          </p:cNvSpPr>
+          <p:nvPr>
+            <p:ph type="sldImg"/>
+          </p:nvPr>
+        </p:nvSpPr>
+        <p:spPr>
+          <a:ln/>
+        </p:spPr>
+      </p:sp>
+      <p:sp>
+        <p:nvSpPr>
+          <p:cNvPr id="153603" name="Rectangle 3"/>
+          <p:cNvSpPr>
+            <a:spLocks noGrp="1" noChangeArrowheads="1"/>
+          </p:cNvSpPr>
+          <p:nvPr>
+            <p:ph type="body" idx="1"/>
+          </p:nvPr>
+        </p:nvSpPr>
+        <p:spPr/>
+        <p:txBody>
+          <a:bodyPr/>
+          <a:lstStyle/>
+          <a:p>
+            <a:endParaRPr lang="en-US"/>
+          </a:p>
+        </p:txBody>
+      </p:sp>
     </p:spTree>
     <p:extLst>
       <p:ext uri="{BB962C8B-B14F-4D97-AF65-F5344CB8AC3E}">
-        <p14:creationId xmlns:p14="http://schemas.microsoft.com/office/powerpoint/2010/main" val="759020870"/>
+        <p14:creationId xmlns:p14="http://schemas.microsoft.com/office/powerpoint/2010/main" val="452770615"/>
       </p:ext>
     </p:extLst>
   </p:cSld>
@@ -754,7 +722,7 @@
           <a:bodyPr/>
           <a:lstStyle/>
           <a:p>
-            <a:fld id="{AF6D69BA-FB66-1A41-9EB8-D4E0AD20BCD1}" type="slidenum">
+            <a:fld id="{50093E4B-4867-9948-82E2-944FFDE88D39}" type="slidenum">
               <a:rPr lang="en-US"/>
               <a:pPr/>
               <a:t>21</a:t>
@@ -765,7 +733,7 @@
       </p:sp>
       <p:sp>
         <p:nvSpPr>
-          <p:cNvPr id="153602" name="Rectangle 2"/>
+          <p:cNvPr id="155650" name="Rectangle 2"/>
           <p:cNvSpPr>
             <a:spLocks noGrp="1" noRot="1" noChangeAspect="1" noChangeArrowheads="1" noTextEdit="1"/>
           </p:cNvSpPr>
@@ -779,7 +747,7 @@
       </p:sp>
       <p:sp>
         <p:nvSpPr>
-          <p:cNvPr id="153603" name="Rectangle 3"/>
+          <p:cNvPr id="155651" name="Rectangle 3"/>
           <p:cNvSpPr>
             <a:spLocks noGrp="1" noChangeArrowheads="1"/>
           </p:cNvSpPr>
@@ -799,7 +767,7 @@
     </p:spTree>
     <p:extLst>
       <p:ext uri="{BB962C8B-B14F-4D97-AF65-F5344CB8AC3E}">
-        <p14:creationId xmlns:p14="http://schemas.microsoft.com/office/powerpoint/2010/main" val="452770615"/>
+        <p14:creationId xmlns:p14="http://schemas.microsoft.com/office/powerpoint/2010/main" val="1521921472"/>
       </p:ext>
     </p:extLst>
   </p:cSld>
@@ -888,7 +856,7 @@
     </p:spTree>
     <p:extLst>
       <p:ext uri="{BB962C8B-B14F-4D97-AF65-F5344CB8AC3E}">
-        <p14:creationId xmlns:p14="http://schemas.microsoft.com/office/powerpoint/2010/main" val="1521921472"/>
+        <p14:creationId xmlns:p14="http://schemas.microsoft.com/office/powerpoint/2010/main" val="1181164984"/>
       </p:ext>
     </p:extLst>
   </p:cSld>
@@ -932,7 +900,7 @@
           <a:bodyPr/>
           <a:lstStyle/>
           <a:p>
-            <a:fld id="{50093E4B-4867-9948-82E2-944FFDE88D39}" type="slidenum">
+            <a:fld id="{E91470AF-739F-704B-96F8-6E658D0C82B5}" type="slidenum">
               <a:rPr lang="en-US"/>
               <a:pPr/>
               <a:t>23</a:t>
@@ -943,7 +911,7 @@
       </p:sp>
       <p:sp>
         <p:nvSpPr>
-          <p:cNvPr id="155650" name="Rectangle 2"/>
+          <p:cNvPr id="157698" name="Rectangle 2"/>
           <p:cNvSpPr>
             <a:spLocks noGrp="1" noRot="1" noChangeAspect="1" noChangeArrowheads="1" noTextEdit="1"/>
           </p:cNvSpPr>
@@ -957,7 +925,7 @@
       </p:sp>
       <p:sp>
         <p:nvSpPr>
-          <p:cNvPr id="155651" name="Rectangle 3"/>
+          <p:cNvPr id="157699" name="Rectangle 3"/>
           <p:cNvSpPr>
             <a:spLocks noGrp="1" noChangeArrowheads="1"/>
           </p:cNvSpPr>
@@ -977,7 +945,7 @@
     </p:spTree>
     <p:extLst>
       <p:ext uri="{BB962C8B-B14F-4D97-AF65-F5344CB8AC3E}">
-        <p14:creationId xmlns:p14="http://schemas.microsoft.com/office/powerpoint/2010/main" val="1181164984"/>
+        <p14:creationId xmlns:p14="http://schemas.microsoft.com/office/powerpoint/2010/main" val="501053220"/>
       </p:ext>
     </p:extLst>
   </p:cSld>
@@ -1021,7 +989,7 @@
           <a:bodyPr/>
           <a:lstStyle/>
           <a:p>
-            <a:fld id="{E91470AF-739F-704B-96F8-6E658D0C82B5}" type="slidenum">
+            <a:fld id="{2B591818-8432-E646-B7A8-56202F1C9D03}" type="slidenum">
               <a:rPr lang="en-US"/>
               <a:pPr/>
               <a:t>24</a:t>
@@ -1032,7 +1000,7 @@
       </p:sp>
       <p:sp>
         <p:nvSpPr>
-          <p:cNvPr id="157698" name="Rectangle 2"/>
+          <p:cNvPr id="159746" name="Rectangle 2"/>
           <p:cNvSpPr>
             <a:spLocks noGrp="1" noRot="1" noChangeAspect="1" noChangeArrowheads="1" noTextEdit="1"/>
           </p:cNvSpPr>
@@ -1046,7 +1014,7 @@
       </p:sp>
       <p:sp>
         <p:nvSpPr>
-          <p:cNvPr id="157699" name="Rectangle 3"/>
+          <p:cNvPr id="159747" name="Rectangle 3"/>
           <p:cNvSpPr>
             <a:spLocks noGrp="1" noChangeArrowheads="1"/>
           </p:cNvSpPr>
@@ -1066,7 +1034,7 @@
     </p:spTree>
     <p:extLst>
       <p:ext uri="{BB962C8B-B14F-4D97-AF65-F5344CB8AC3E}">
-        <p14:creationId xmlns:p14="http://schemas.microsoft.com/office/powerpoint/2010/main" val="501053220"/>
+        <p14:creationId xmlns:p14="http://schemas.microsoft.com/office/powerpoint/2010/main" val="918088653"/>
       </p:ext>
     </p:extLst>
   </p:cSld>
@@ -1110,7 +1078,7 @@
           <a:bodyPr/>
           <a:lstStyle/>
           <a:p>
-            <a:fld id="{2B591818-8432-E646-B7A8-56202F1C9D03}" type="slidenum">
+            <a:fld id="{E5C82B60-9336-204F-9D88-163A4A2E7D30}" type="slidenum">
               <a:rPr lang="en-US"/>
               <a:pPr/>
               <a:t>25</a:t>
@@ -1121,7 +1089,7 @@
       </p:sp>
       <p:sp>
         <p:nvSpPr>
-          <p:cNvPr id="159746" name="Rectangle 2"/>
+          <p:cNvPr id="163842" name="Rectangle 2"/>
           <p:cNvSpPr>
             <a:spLocks noGrp="1" noRot="1" noChangeAspect="1" noChangeArrowheads="1" noTextEdit="1"/>
           </p:cNvSpPr>
@@ -1135,7 +1103,7 @@
       </p:sp>
       <p:sp>
         <p:nvSpPr>
-          <p:cNvPr id="159747" name="Rectangle 3"/>
+          <p:cNvPr id="163843" name="Rectangle 3"/>
           <p:cNvSpPr>
             <a:spLocks noGrp="1" noChangeArrowheads="1"/>
           </p:cNvSpPr>
@@ -1148,14 +1116,19 @@
           <a:bodyPr/>
           <a:lstStyle/>
           <a:p>
-            <a:endParaRPr lang="en-US"/>
+            <a:endParaRPr lang="en-US" dirty="0">
+              <a:solidFill>
+                <a:srgbClr val="808080"/>
+              </a:solidFill>
+              <a:latin typeface="Courier New" charset="0"/>
+            </a:endParaRPr>
           </a:p>
         </p:txBody>
       </p:sp>
     </p:spTree>
     <p:extLst>
       <p:ext uri="{BB962C8B-B14F-4D97-AF65-F5344CB8AC3E}">
-        <p14:creationId xmlns:p14="http://schemas.microsoft.com/office/powerpoint/2010/main" val="918088653"/>
+        <p14:creationId xmlns:p14="http://schemas.microsoft.com/office/powerpoint/2010/main" val="974246885"/>
       </p:ext>
     </p:extLst>
   </p:cSld>
@@ -1249,7 +1222,7 @@
     </p:spTree>
     <p:extLst>
       <p:ext uri="{BB962C8B-B14F-4D97-AF65-F5344CB8AC3E}">
-        <p14:creationId xmlns:p14="http://schemas.microsoft.com/office/powerpoint/2010/main" val="974246885"/>
+        <p14:creationId xmlns:p14="http://schemas.microsoft.com/office/powerpoint/2010/main" val="1086687037"/>
       </p:ext>
     </p:extLst>
   </p:cSld>
@@ -1343,7 +1316,7 @@
     </p:spTree>
     <p:extLst>
       <p:ext uri="{BB962C8B-B14F-4D97-AF65-F5344CB8AC3E}">
-        <p14:creationId xmlns:p14="http://schemas.microsoft.com/office/powerpoint/2010/main" val="1086687037"/>
+        <p14:creationId xmlns:p14="http://schemas.microsoft.com/office/powerpoint/2010/main" val="1361731660"/>
       </p:ext>
     </p:extLst>
   </p:cSld>
@@ -1437,7 +1410,7 @@
     </p:spTree>
     <p:extLst>
       <p:ext uri="{BB962C8B-B14F-4D97-AF65-F5344CB8AC3E}">
-        <p14:creationId xmlns:p14="http://schemas.microsoft.com/office/powerpoint/2010/main" val="1361731660"/>
+        <p14:creationId xmlns:p14="http://schemas.microsoft.com/office/powerpoint/2010/main" val="1277510742"/>
       </p:ext>
     </p:extLst>
   </p:cSld>
@@ -1531,7 +1504,7 @@
     </p:spTree>
     <p:extLst>
       <p:ext uri="{BB962C8B-B14F-4D97-AF65-F5344CB8AC3E}">
-        <p14:creationId xmlns:p14="http://schemas.microsoft.com/office/powerpoint/2010/main" val="1277510742"/>
+        <p14:creationId xmlns:p14="http://schemas.microsoft.com/office/powerpoint/2010/main" val="1809048589"/>
       </p:ext>
     </p:extLst>
   </p:cSld>
@@ -1714,7 +1687,7 @@
     </p:spTree>
     <p:extLst>
       <p:ext uri="{BB962C8B-B14F-4D97-AF65-F5344CB8AC3E}">
-        <p14:creationId xmlns:p14="http://schemas.microsoft.com/office/powerpoint/2010/main" val="1809048589"/>
+        <p14:creationId xmlns:p14="http://schemas.microsoft.com/office/powerpoint/2010/main" val="1857726383"/>
       </p:ext>
     </p:extLst>
   </p:cSld>
@@ -1808,7 +1781,7 @@
     </p:spTree>
     <p:extLst>
       <p:ext uri="{BB962C8B-B14F-4D97-AF65-F5344CB8AC3E}">
-        <p14:creationId xmlns:p14="http://schemas.microsoft.com/office/powerpoint/2010/main" val="1857726383"/>
+        <p14:creationId xmlns:p14="http://schemas.microsoft.com/office/powerpoint/2010/main" val="562043886"/>
       </p:ext>
     </p:extLst>
   </p:cSld>
@@ -1852,7 +1825,7 @@
           <a:bodyPr/>
           <a:lstStyle/>
           <a:p>
-            <a:fld id="{E5C82B60-9336-204F-9D88-163A4A2E7D30}" type="slidenum">
+            <a:fld id="{6ECF7E9E-E960-D145-8861-4E20849ED6A6}" type="slidenum">
               <a:rPr lang="en-US"/>
               <a:pPr/>
               <a:t>32</a:t>
@@ -1863,7 +1836,7 @@
       </p:sp>
       <p:sp>
         <p:nvSpPr>
-          <p:cNvPr id="163842" name="Rectangle 2"/>
+          <p:cNvPr id="53250" name="Rectangle 2"/>
           <p:cNvSpPr>
             <a:spLocks noGrp="1" noRot="1" noChangeAspect="1" noChangeArrowheads="1" noTextEdit="1"/>
           </p:cNvSpPr>
@@ -1877,7 +1850,7 @@
       </p:sp>
       <p:sp>
         <p:nvSpPr>
-          <p:cNvPr id="163843" name="Rectangle 3"/>
+          <p:cNvPr id="53251" name="Rectangle 3"/>
           <p:cNvSpPr>
             <a:spLocks noGrp="1" noChangeArrowheads="1"/>
           </p:cNvSpPr>
@@ -1890,19 +1863,14 @@
           <a:bodyPr/>
           <a:lstStyle/>
           <a:p>
-            <a:endParaRPr lang="en-US" dirty="0">
-              <a:solidFill>
-                <a:srgbClr val="808080"/>
-              </a:solidFill>
-              <a:latin typeface="Courier New" charset="0"/>
-            </a:endParaRPr>
+            <a:endParaRPr lang="en-US"/>
           </a:p>
         </p:txBody>
       </p:sp>
     </p:spTree>
     <p:extLst>
       <p:ext uri="{BB962C8B-B14F-4D97-AF65-F5344CB8AC3E}">
-        <p14:creationId xmlns:p14="http://schemas.microsoft.com/office/powerpoint/2010/main" val="562043886"/>
+        <p14:creationId xmlns:p14="http://schemas.microsoft.com/office/powerpoint/2010/main" val="769378205"/>
       </p:ext>
     </p:extLst>
   </p:cSld>
@@ -1946,10 +1914,10 @@
           <a:bodyPr/>
           <a:lstStyle/>
           <a:p>
-            <a:fld id="{6ECF7E9E-E960-D145-8861-4E20849ED6A6}" type="slidenum">
+            <a:fld id="{63685D1C-743B-1D41-A69C-C70AA75EEE8E}" type="slidenum">
               <a:rPr lang="en-US"/>
               <a:pPr/>
-              <a:t>33</a:t>
+              <a:t>34</a:t>
             </a:fld>
             <a:endParaRPr lang="en-US"/>
           </a:p>
@@ -1957,7 +1925,7 @@
       </p:sp>
       <p:sp>
         <p:nvSpPr>
-          <p:cNvPr id="53250" name="Rectangle 2"/>
+          <p:cNvPr id="244738" name="Rectangle 2"/>
           <p:cNvSpPr>
             <a:spLocks noGrp="1" noRot="1" noChangeAspect="1" noChangeArrowheads="1" noTextEdit="1"/>
           </p:cNvSpPr>
@@ -1971,7 +1939,7 @@
       </p:sp>
       <p:sp>
         <p:nvSpPr>
-          <p:cNvPr id="53251" name="Rectangle 3"/>
+          <p:cNvPr id="244739" name="Rectangle 3"/>
           <p:cNvSpPr>
             <a:spLocks noGrp="1" noChangeArrowheads="1"/>
           </p:cNvSpPr>
@@ -1984,14 +1952,17 @@
           <a:bodyPr/>
           <a:lstStyle/>
           <a:p>
-            <a:endParaRPr lang="en-US"/>
+            <a:r>
+              <a:rPr lang="en-US" dirty="0"/>
+              <a:t>For each item, say why we are learning about it.</a:t>
+            </a:r>
           </a:p>
         </p:txBody>
       </p:sp>
     </p:spTree>
     <p:extLst>
       <p:ext uri="{BB962C8B-B14F-4D97-AF65-F5344CB8AC3E}">
-        <p14:creationId xmlns:p14="http://schemas.microsoft.com/office/powerpoint/2010/main" val="769378205"/>
+        <p14:creationId xmlns:p14="http://schemas.microsoft.com/office/powerpoint/2010/main" val="711374416"/>
       </p:ext>
     </p:extLst>
   </p:cSld>
@@ -2020,98 +1991,6 @@
       </p:grpSpPr>
       <p:sp>
         <p:nvSpPr>
-          <p:cNvPr id="7" name="Rectangle 7"/>
-          <p:cNvSpPr>
-            <a:spLocks noGrp="1" noChangeArrowheads="1"/>
-          </p:cNvSpPr>
-          <p:nvPr>
-            <p:ph type="sldNum" sz="quarter" idx="5"/>
-          </p:nvPr>
-        </p:nvSpPr>
-        <p:spPr>
-          <a:ln/>
-        </p:spPr>
-        <p:txBody>
-          <a:bodyPr/>
-          <a:lstStyle/>
-          <a:p>
-            <a:fld id="{63685D1C-743B-1D41-A69C-C70AA75EEE8E}" type="slidenum">
-              <a:rPr lang="en-US"/>
-              <a:pPr/>
-              <a:t>35</a:t>
-            </a:fld>
-            <a:endParaRPr lang="en-US"/>
-          </a:p>
-        </p:txBody>
-      </p:sp>
-      <p:sp>
-        <p:nvSpPr>
-          <p:cNvPr id="244738" name="Rectangle 2"/>
-          <p:cNvSpPr>
-            <a:spLocks noGrp="1" noRot="1" noChangeAspect="1" noChangeArrowheads="1" noTextEdit="1"/>
-          </p:cNvSpPr>
-          <p:nvPr>
-            <p:ph type="sldImg"/>
-          </p:nvPr>
-        </p:nvSpPr>
-        <p:spPr>
-          <a:ln/>
-        </p:spPr>
-      </p:sp>
-      <p:sp>
-        <p:nvSpPr>
-          <p:cNvPr id="244739" name="Rectangle 3"/>
-          <p:cNvSpPr>
-            <a:spLocks noGrp="1" noChangeArrowheads="1"/>
-          </p:cNvSpPr>
-          <p:nvPr>
-            <p:ph type="body" idx="1"/>
-          </p:nvPr>
-        </p:nvSpPr>
-        <p:spPr/>
-        <p:txBody>
-          <a:bodyPr/>
-          <a:lstStyle/>
-          <a:p>
-            <a:r>
-              <a:rPr lang="en-US" dirty="0"/>
-              <a:t>For each item, say why we are learning about it.</a:t>
-            </a:r>
-          </a:p>
-        </p:txBody>
-      </p:sp>
-    </p:spTree>
-    <p:extLst>
-      <p:ext uri="{BB962C8B-B14F-4D97-AF65-F5344CB8AC3E}">
-        <p14:creationId xmlns:p14="http://schemas.microsoft.com/office/powerpoint/2010/main" val="711374416"/>
-      </p:ext>
-    </p:extLst>
-  </p:cSld>
-  <p:clrMapOvr>
-    <a:masterClrMapping/>
-  </p:clrMapOvr>
-</p:notes>
-</file>
-
-<file path=ppt/notesSlides/notesSlide25.xml><?xml version="1.0" encoding="utf-8"?>
-<p:notes xmlns:a="http://schemas.openxmlformats.org/drawingml/2006/main" xmlns:r="http://schemas.openxmlformats.org/officeDocument/2006/relationships" xmlns:p="http://schemas.openxmlformats.org/presentationml/2006/main">
-  <p:cSld>
-    <p:spTree>
-      <p:nvGrpSpPr>
-        <p:cNvPr id="1" name=""/>
-        <p:cNvGrpSpPr/>
-        <p:nvPr/>
-      </p:nvGrpSpPr>
-      <p:grpSpPr>
-        <a:xfrm>
-          <a:off x="0" y="0"/>
-          <a:ext cx="0" cy="0"/>
-          <a:chOff x="0" y="0"/>
-          <a:chExt cx="0" cy="0"/>
-        </a:xfrm>
-      </p:grpSpPr>
-      <p:sp>
-        <p:nvSpPr>
           <p:cNvPr id="2" name="Slide Image Placeholder 1"/>
           <p:cNvSpPr>
             <a:spLocks noGrp="1" noRot="1" noChangeAspect="1"/>
@@ -2159,7 +2038,7 @@
             <a:fld id="{71A4E7D1-EE80-F649-9228-971F3B05FF3C}" type="slidenum">
               <a:rPr lang="en-US" smtClean="0"/>
               <a:pPr/>
-              <a:t>37</a:t>
+              <a:t>36</a:t>
             </a:fld>
             <a:endParaRPr lang="en-US" dirty="0"/>
           </a:p>
@@ -2694,71 +2573,90 @@
       </p:grpSpPr>
       <p:sp>
         <p:nvSpPr>
-          <p:cNvPr id="7" name="Rectangle 7"/>
-          <p:cNvSpPr>
-            <a:spLocks noGrp="1" noChangeArrowheads="1"/>
-          </p:cNvSpPr>
-          <p:nvPr>
-            <p:ph type="sldNum" sz="quarter" idx="5"/>
-          </p:nvPr>
-        </p:nvSpPr>
-        <p:spPr>
-          <a:ln/>
-        </p:spPr>
+          <p:cNvPr id="2" name="Slide Image Placeholder 1"/>
+          <p:cNvSpPr>
+            <a:spLocks noGrp="1" noRot="1" noChangeAspect="1"/>
+          </p:cNvSpPr>
+          <p:nvPr>
+            <p:ph type="sldImg"/>
+          </p:nvPr>
+        </p:nvSpPr>
+        <p:spPr/>
+      </p:sp>
+      <p:sp>
+        <p:nvSpPr>
+          <p:cNvPr id="3" name="Notes Placeholder 2"/>
+          <p:cNvSpPr>
+            <a:spLocks noGrp="1"/>
+          </p:cNvSpPr>
+          <p:nvPr>
+            <p:ph type="body" idx="1"/>
+          </p:nvPr>
+        </p:nvSpPr>
+        <p:spPr/>
+        <p:txBody>
+          <a:bodyPr>
+            <a:normAutofit/>
+          </a:bodyPr>
+          <a:lstStyle/>
+          <a:p>
+            <a:r>
+              <a:rPr lang="en-US" dirty="0"/>
+              <a:t>Give examples of how we helped astronomers with SQL Server</a:t>
+            </a:r>
+            <a:r>
+              <a:rPr lang="en-US" baseline="0" dirty="0"/>
+              <a:t> then </a:t>
+            </a:r>
+            <a:r>
+              <a:rPr lang="en-US" baseline="0" dirty="0" err="1"/>
+              <a:t>MapReduce</a:t>
+            </a:r>
+            <a:r>
+              <a:rPr lang="en-US" baseline="0" dirty="0"/>
+              <a:t>.</a:t>
+            </a:r>
+          </a:p>
+          <a:p>
+            <a:endParaRPr lang="en-US" baseline="0" dirty="0"/>
+          </a:p>
+          <a:p>
+            <a:r>
+              <a:rPr lang="en-US" baseline="0" dirty="0"/>
+              <a:t>LSST will produce 30TB of data per night!  Or 9PB per year.</a:t>
+            </a:r>
+          </a:p>
+          <a:p>
+            <a:r>
+              <a:rPr lang="en-US" baseline="0" dirty="0"/>
+              <a:t>Large Hadron Collider (LHC) looking for the Higgs particle, produced  25PB of data in 2012!</a:t>
+            </a:r>
+          </a:p>
+          <a:p>
+            <a:endParaRPr lang="en-US" dirty="0"/>
+          </a:p>
+        </p:txBody>
+      </p:sp>
+      <p:sp>
+        <p:nvSpPr>
+          <p:cNvPr id="4" name="Slide Number Placeholder 3"/>
+          <p:cNvSpPr>
+            <a:spLocks noGrp="1"/>
+          </p:cNvSpPr>
+          <p:nvPr>
+            <p:ph type="sldNum" sz="quarter" idx="10"/>
+          </p:nvPr>
+        </p:nvSpPr>
+        <p:spPr/>
         <p:txBody>
           <a:bodyPr/>
           <a:lstStyle/>
           <a:p>
-            <a:fld id="{30FC30E5-E6BB-3A4E-B3F9-15A92D5575C1}" type="slidenum">
-              <a:rPr lang="en-US"/>
+            <a:fld id="{71A4E7D1-EE80-F649-9228-971F3B05FF3C}" type="slidenum">
+              <a:rPr lang="en-US" smtClean="0"/>
               <a:pPr/>
-              <a:t>17</a:t>
+              <a:t>18</a:t>
             </a:fld>
-            <a:endParaRPr lang="en-US"/>
-          </a:p>
-        </p:txBody>
-      </p:sp>
-      <p:sp>
-        <p:nvSpPr>
-          <p:cNvPr id="233474" name="Rectangle 2"/>
-          <p:cNvSpPr>
-            <a:spLocks noGrp="1" noRot="1" noChangeAspect="1" noChangeArrowheads="1" noTextEdit="1"/>
-          </p:cNvSpPr>
-          <p:nvPr>
-            <p:ph type="sldImg"/>
-          </p:nvPr>
-        </p:nvSpPr>
-        <p:spPr>
-          <a:ln/>
-        </p:spPr>
-      </p:sp>
-      <p:sp>
-        <p:nvSpPr>
-          <p:cNvPr id="233475" name="Rectangle 3"/>
-          <p:cNvSpPr>
-            <a:spLocks noGrp="1" noChangeArrowheads="1"/>
-          </p:cNvSpPr>
-          <p:nvPr>
-            <p:ph type="body" idx="1"/>
-          </p:nvPr>
-        </p:nvSpPr>
-        <p:spPr/>
-        <p:txBody>
-          <a:bodyPr/>
-          <a:lstStyle/>
-          <a:p>
-            <a:r>
-              <a:rPr lang="en-US" dirty="0"/>
-              <a:t>ASK HERE WHO IS TAKING 311 and 331?</a:t>
-            </a:r>
-            <a:r>
-              <a:rPr lang="en-US" baseline="0" dirty="0"/>
-              <a:t> If a lot, then move midterm to </a:t>
-            </a:r>
-            <a:r>
-              <a:rPr lang="en-US" baseline="0"/>
-              <a:t>friday</a:t>
-            </a:r>
             <a:endParaRPr lang="en-US"/>
           </a:p>
         </p:txBody>
@@ -2766,7 +2664,7 @@
     </p:spTree>
     <p:extLst>
       <p:ext uri="{BB962C8B-B14F-4D97-AF65-F5344CB8AC3E}">
-        <p14:creationId xmlns:p14="http://schemas.microsoft.com/office/powerpoint/2010/main" val="1564920493"/>
+        <p14:creationId xmlns:p14="http://schemas.microsoft.com/office/powerpoint/2010/main" val="1932267183"/>
       </p:ext>
     </p:extLst>
   </p:cSld>
@@ -2886,7 +2784,7 @@
     </p:spTree>
     <p:extLst>
       <p:ext uri="{BB962C8B-B14F-4D97-AF65-F5344CB8AC3E}">
-        <p14:creationId xmlns:p14="http://schemas.microsoft.com/office/powerpoint/2010/main" val="1932267183"/>
+        <p14:creationId xmlns:p14="http://schemas.microsoft.com/office/powerpoint/2010/main" val="759020870"/>
       </p:ext>
     </p:extLst>
   </p:cSld>
@@ -3048,7 +2946,7 @@
           <a:p>
             <a:fld id="{112779B1-49FA-AE40-A30D-0FBD14D02E5A}" type="datetimeFigureOut">
               <a:rPr lang="en-US" smtClean="0"/>
-              <a:t>4/1/25</a:t>
+              <a:t>1/8/26</a:t>
             </a:fld>
             <a:endParaRPr lang="en-US"/>
           </a:p>
@@ -3339,7 +3237,7 @@
           <a:p>
             <a:fld id="{112779B1-49FA-AE40-A30D-0FBD14D02E5A}" type="datetimeFigureOut">
               <a:rPr lang="en-US" smtClean="0"/>
-              <a:t>4/1/25</a:t>
+              <a:t>1/8/26</a:t>
             </a:fld>
             <a:endParaRPr lang="en-US"/>
           </a:p>
@@ -3512,7 +3410,7 @@
           <a:p>
             <a:fld id="{112779B1-49FA-AE40-A30D-0FBD14D02E5A}" type="datetimeFigureOut">
               <a:rPr lang="en-US" smtClean="0"/>
-              <a:t>4/1/25</a:t>
+              <a:t>1/8/26</a:t>
             </a:fld>
             <a:endParaRPr lang="en-US"/>
           </a:p>
@@ -3676,7 +3574,7 @@
           <a:p>
             <a:fld id="{112779B1-49FA-AE40-A30D-0FBD14D02E5A}" type="datetimeFigureOut">
               <a:rPr lang="en-US" smtClean="0"/>
-              <a:t>4/1/25</a:t>
+              <a:t>1/8/26</a:t>
             </a:fld>
             <a:endParaRPr lang="en-US"/>
           </a:p>
@@ -3925,7 +3823,7 @@
           <a:p>
             <a:fld id="{112779B1-49FA-AE40-A30D-0FBD14D02E5A}" type="datetimeFigureOut">
               <a:rPr lang="en-US" smtClean="0"/>
-              <a:t>4/1/25</a:t>
+              <a:t>1/8/26</a:t>
             </a:fld>
             <a:endParaRPr lang="en-US"/>
           </a:p>
@@ -4207,7 +4105,7 @@
           <a:p>
             <a:fld id="{112779B1-49FA-AE40-A30D-0FBD14D02E5A}" type="datetimeFigureOut">
               <a:rPr lang="en-US" smtClean="0"/>
-              <a:t>4/1/25</a:t>
+              <a:t>1/8/26</a:t>
             </a:fld>
             <a:endParaRPr lang="en-US"/>
           </a:p>
@@ -4645,7 +4543,7 @@
           <a:p>
             <a:fld id="{112779B1-49FA-AE40-A30D-0FBD14D02E5A}" type="datetimeFigureOut">
               <a:rPr lang="en-US" smtClean="0"/>
-              <a:t>4/1/25</a:t>
+              <a:t>1/8/26</a:t>
             </a:fld>
             <a:endParaRPr lang="en-US"/>
           </a:p>
@@ -4757,7 +4655,7 @@
           <a:p>
             <a:fld id="{112779B1-49FA-AE40-A30D-0FBD14D02E5A}" type="datetimeFigureOut">
               <a:rPr lang="en-US" smtClean="0"/>
-              <a:t>4/1/25</a:t>
+              <a:t>1/8/26</a:t>
             </a:fld>
             <a:endParaRPr lang="en-US"/>
           </a:p>
@@ -4847,7 +4745,7 @@
           <a:p>
             <a:fld id="{112779B1-49FA-AE40-A30D-0FBD14D02E5A}" type="datetimeFigureOut">
               <a:rPr lang="en-US" smtClean="0"/>
-              <a:t>4/1/25</a:t>
+              <a:t>1/8/26</a:t>
             </a:fld>
             <a:endParaRPr lang="en-US"/>
           </a:p>
@@ -5089,7 +4987,7 @@
           <a:p>
             <a:fld id="{112779B1-49FA-AE40-A30D-0FBD14D02E5A}" type="datetimeFigureOut">
               <a:rPr lang="en-US" smtClean="0"/>
-              <a:t>4/1/25</a:t>
+              <a:t>1/8/26</a:t>
             </a:fld>
             <a:endParaRPr lang="en-US"/>
           </a:p>
@@ -5381,7 +5279,7 @@
           <a:p>
             <a:fld id="{112779B1-49FA-AE40-A30D-0FBD14D02E5A}" type="datetimeFigureOut">
               <a:rPr lang="en-US" smtClean="0"/>
-              <a:t>4/1/25</a:t>
+              <a:t>1/8/26</a:t>
             </a:fld>
             <a:endParaRPr lang="en-US"/>
           </a:p>
@@ -5675,7 +5573,7 @@
           <a:p>
             <a:fld id="{112779B1-49FA-AE40-A30D-0FBD14D02E5A}" type="datetimeFigureOut">
               <a:rPr lang="en-US" smtClean="0"/>
-              <a:t>4/1/25</a:t>
+              <a:t>1/8/26</a:t>
             </a:fld>
             <a:endParaRPr lang="en-US"/>
           </a:p>
@@ -6178,17 +6076,10 @@
         </p:spPr>
         <p:txBody>
           <a:bodyPr>
-            <a:normAutofit fontScale="90000"/>
+            <a:normAutofit/>
           </a:bodyPr>
           <a:lstStyle/>
           <a:p>
-            <a:r>
-              <a:rPr lang="en-US" sz="4800" dirty="0"/>
-              <a:t>2621</a:t>
-            </a:r>
-            <a:br>
-              <a:rPr lang="en-US" sz="4800" dirty="0"/>
-            </a:br>
             <a:r>
               <a:rPr lang="en-US" sz="4400" dirty="0">
                 <a:solidFill>
@@ -7689,7 +7580,7 @@
                   <a:srgbClr val="7030A0"/>
                 </a:solidFill>
               </a:rPr>
-              <a:t>Midterm Exam</a:t>
+              <a:t>Midterm Exam (closed *)</a:t>
             </a:r>
           </a:p>
           <a:p>
@@ -7700,7 +7591,7 @@
                   <a:srgbClr val="7030A0"/>
                 </a:solidFill>
               </a:rPr>
-              <a:t>Final Exam</a:t>
+              <a:t>Final Exam (closed *)</a:t>
             </a:r>
           </a:p>
           <a:p>
@@ -7823,14 +7714,10 @@
             </a:r>
           </a:p>
           <a:p>
-            <a:pPr marL="342900" indent="-342900">
-              <a:buFont typeface="Arial" charset="0"/>
-              <a:buChar char="•"/>
-            </a:pPr>
-            <a:r>
-              <a:rPr lang="en-US" sz="2400" dirty="0"/>
-              <a:t>Posted after lecture</a:t>
-            </a:r>
+            <a:pPr lvl="1" indent="0">
+              <a:buNone/>
+            </a:pPr>
+            <a:endParaRPr lang="en-US" sz="2400" dirty="0"/>
           </a:p>
           <a:p>
             <a:pPr marL="342900" indent="-342900">
@@ -7903,40 +7790,49 @@
       </p:grpSpPr>
       <p:sp>
         <p:nvSpPr>
-          <p:cNvPr id="224258" name="Rectangle 2"/>
-          <p:cNvSpPr>
-            <a:spLocks noGrp="1" noChangeArrowheads="1"/>
+          <p:cNvPr id="2" name="Title 1"/>
+          <p:cNvSpPr>
+            <a:spLocks noGrp="1"/>
           </p:cNvSpPr>
           <p:nvPr>
             <p:ph type="title"/>
-          </p:nvPr>
-        </p:nvSpPr>
-        <p:spPr/>
-        <p:txBody>
-          <a:bodyPr/>
-          <a:lstStyle/>
-          <a:p>
-            <a:r>
-              <a:rPr lang="en-US" sz="4000" dirty="0"/>
-              <a:t>Exams</a:t>
-            </a:r>
-          </a:p>
-        </p:txBody>
-      </p:sp>
-      <p:sp>
-        <p:nvSpPr>
-          <p:cNvPr id="224259" name="Rectangle 3"/>
-          <p:cNvSpPr>
-            <a:spLocks noGrp="1" noChangeArrowheads="1"/>
-          </p:cNvSpPr>
-          <p:nvPr>
-            <p:ph type="body" idx="1"/>
           </p:nvPr>
         </p:nvSpPr>
         <p:spPr>
           <a:xfrm>
-            <a:off x="685800" y="1981200"/>
-            <a:ext cx="8305800" cy="4114800"/>
+            <a:off x="457200" y="152718"/>
+            <a:ext cx="9326880" cy="1371600"/>
+          </a:xfrm>
+        </p:spPr>
+        <p:txBody>
+          <a:bodyPr/>
+          <a:lstStyle/>
+          <a:p>
+            <a:r>
+              <a:rPr lang="en-US"/>
+              <a:t>Expectations About </a:t>
+            </a:r>
+            <a:r>
+              <a:rPr lang="en-US" dirty="0"/>
+              <a:t>you</a:t>
+            </a:r>
+          </a:p>
+        </p:txBody>
+      </p:sp>
+      <p:sp>
+        <p:nvSpPr>
+          <p:cNvPr id="3" name="Content Placeholder 2"/>
+          <p:cNvSpPr>
+            <a:spLocks noGrp="1"/>
+          </p:cNvSpPr>
+          <p:nvPr>
+            <p:ph idx="1"/>
+          </p:nvPr>
+        </p:nvSpPr>
+        <p:spPr>
+          <a:xfrm>
+            <a:off x="685800" y="1752600"/>
+            <a:ext cx="7772400" cy="4114800"/>
           </a:xfrm>
         </p:spPr>
         <p:txBody>
@@ -7945,65 +7841,91 @@
           </a:bodyPr>
           <a:lstStyle/>
           <a:p>
-            <a:pPr marL="342900" indent="-342900">
-              <a:buFont typeface="Arial" charset="0"/>
+            <a:pPr marL="457200" indent="-457200">
+              <a:buFont typeface="Arial"/>
               <a:buChar char="•"/>
             </a:pPr>
             <a:r>
-              <a:rPr lang="en-US" dirty="0"/>
-              <a:t>Dates</a:t>
-            </a:r>
-          </a:p>
-          <a:p>
-            <a:pPr marL="800100" lvl="1" indent="-342900">
-              <a:buFont typeface="Arial" charset="0"/>
+              <a:rPr lang="en-US" sz="2400" dirty="0"/>
+              <a:t>Learn deeply and practice</a:t>
+            </a:r>
+          </a:p>
+          <a:p>
+            <a:pPr marL="457200" indent="-457200">
+              <a:buFont typeface="Arial"/>
               <a:buChar char="•"/>
             </a:pPr>
             <a:r>
-              <a:rPr lang="en-US" dirty="0"/>
-              <a:t>TBDL</a:t>
-            </a:r>
-          </a:p>
-          <a:p>
-            <a:pPr marL="342900" indent="-342900">
-              <a:buFont typeface="Arial" charset="0"/>
+              <a:rPr lang="en-US" sz="2400" dirty="0"/>
+              <a:t>SQL → Business Intelligence</a:t>
+            </a:r>
+          </a:p>
+          <a:p>
+            <a:pPr marL="457200" indent="-457200">
+              <a:buFont typeface="Arial"/>
               <a:buChar char="•"/>
             </a:pPr>
             <a:r>
-              <a:rPr lang="en-US" dirty="0"/>
-              <a:t>Preparation</a:t>
-            </a:r>
-          </a:p>
-          <a:p>
-            <a:pPr marL="800100" lvl="1" indent="-342900">
-              <a:buFont typeface="Arial" charset="0"/>
+              <a:rPr lang="en-US" sz="2400" dirty="0"/>
+              <a:t>Hands-on: SQL, Tableau, ETL</a:t>
+            </a:r>
+          </a:p>
+          <a:p>
+            <a:pPr marL="457200" indent="-457200">
+              <a:buFont typeface="Arial"/>
               <a:buChar char="•"/>
             </a:pPr>
             <a:r>
-              <a:rPr lang="en-US" dirty="0"/>
-              <a:t>Exam review</a:t>
-            </a:r>
-          </a:p>
-          <a:p>
-            <a:pPr marL="800100" lvl="1" indent="-342900">
-              <a:buFont typeface="Arial" charset="0"/>
+              <a:rPr lang="en-US" sz="2400" dirty="0"/>
+              <a:t>Ask questions</a:t>
+            </a:r>
+          </a:p>
+          <a:p>
+            <a:pPr marL="457200" indent="-457200">
+              <a:buFont typeface="Arial"/>
               <a:buChar char="•"/>
             </a:pPr>
+            <a:r>
+              <a:rPr lang="en-US" sz="2400" dirty="0"/>
+              <a:t>Academic Honesty (VERY IMPORTANT)</a:t>
+            </a:r>
+          </a:p>
+          <a:p>
+            <a:pPr marL="457200" indent="-457200">
+              <a:buFont typeface="Arial"/>
+              <a:buChar char="•"/>
+            </a:pPr>
+            <a:r>
+              <a:rPr lang="en-US" sz="2400" dirty="0"/>
+              <a:t>Participation</a:t>
+            </a:r>
+          </a:p>
+          <a:p>
+            <a:pPr marL="457200" indent="-457200">
+              <a:buFont typeface="Arial"/>
+              <a:buChar char="•"/>
+            </a:pPr>
+            <a:r>
+              <a:rPr lang="en-US" sz="2400" dirty="0"/>
+              <a:t>Discussions on Camino</a:t>
+            </a:r>
+          </a:p>
+          <a:p>
+            <a:pPr marL="914400" lvl="1" indent="-457200">
+              <a:buFont typeface="Arial"/>
+              <a:buChar char="•"/>
+            </a:pPr>
             <a:endParaRPr lang="en-US" dirty="0"/>
           </a:p>
           <a:p>
-            <a:pPr marL="800100" lvl="1" indent="-342900">
-              <a:buFont typeface="Arial" charset="0"/>
-              <a:buChar char="•"/>
-            </a:pPr>
-            <a:endParaRPr lang="en-US" dirty="0"/>
+            <a:endParaRPr lang="en-US" sz="2800" dirty="0"/>
           </a:p>
         </p:txBody>
       </p:sp>
     </p:spTree>
     <p:extLst>
       <p:ext uri="{BB962C8B-B14F-4D97-AF65-F5344CB8AC3E}">
-        <p14:creationId xmlns:p14="http://schemas.microsoft.com/office/powerpoint/2010/main" val="2020186909"/>
+        <p14:creationId xmlns:p14="http://schemas.microsoft.com/office/powerpoint/2010/main" val="3559783805"/>
       </p:ext>
     </p:extLst>
   </p:cSld>
@@ -8043,7 +7965,7 @@
         <p:spPr>
           <a:xfrm>
             <a:off x="457200" y="152718"/>
-            <a:ext cx="9326880" cy="1371600"/>
+            <a:ext cx="5791200" cy="844809"/>
           </a:xfrm>
         </p:spPr>
         <p:txBody>
@@ -8051,12 +7973,8 @@
           <a:lstStyle/>
           <a:p>
             <a:r>
-              <a:rPr lang="en-US"/>
-              <a:t>Expectations About </a:t>
-            </a:r>
-            <a:r>
               <a:rPr lang="en-US" dirty="0"/>
-              <a:t>you</a:t>
+              <a:t>Class Goals</a:t>
             </a:r>
           </a:p>
         </p:txBody>
@@ -8073,8 +7991,8 @@
         </p:nvSpPr>
         <p:spPr>
           <a:xfrm>
-            <a:off x="685800" y="1752600"/>
-            <a:ext cx="7772400" cy="4114800"/>
+            <a:off x="685800" y="1132609"/>
+            <a:ext cx="8153400" cy="4963391"/>
           </a:xfrm>
         </p:spPr>
         <p:txBody>
@@ -8083,91 +8001,56 @@
           </a:bodyPr>
           <a:lstStyle/>
           <a:p>
-            <a:pPr marL="457200" indent="-457200">
-              <a:buFont typeface="Arial"/>
-              <a:buChar char="•"/>
-            </a:pPr>
-            <a:r>
-              <a:rPr lang="en-US" sz="2400" dirty="0"/>
-              <a:t>Learn deeply and practice</a:t>
-            </a:r>
-          </a:p>
-          <a:p>
-            <a:pPr marL="457200" indent="-457200">
-              <a:buFont typeface="Arial"/>
-              <a:buChar char="•"/>
-            </a:pPr>
-            <a:r>
-              <a:rPr lang="en-US" sz="2400" dirty="0"/>
-              <a:t>SQL → Business Intelligence</a:t>
-            </a:r>
-          </a:p>
-          <a:p>
-            <a:pPr marL="457200" indent="-457200">
-              <a:buFont typeface="Arial"/>
-              <a:buChar char="•"/>
-            </a:pPr>
-            <a:r>
-              <a:rPr lang="en-US" sz="2400" dirty="0"/>
-              <a:t>Hands-on: SQL, Tableau, ETL</a:t>
-            </a:r>
-          </a:p>
-          <a:p>
-            <a:pPr marL="457200" indent="-457200">
-              <a:buFont typeface="Arial"/>
-              <a:buChar char="•"/>
-            </a:pPr>
-            <a:r>
-              <a:rPr lang="en-US" sz="2400" dirty="0"/>
-              <a:t>Ask questions</a:t>
-            </a:r>
-          </a:p>
-          <a:p>
-            <a:pPr marL="457200" indent="-457200">
-              <a:buFont typeface="Arial"/>
-              <a:buChar char="•"/>
-            </a:pPr>
-            <a:r>
-              <a:rPr lang="en-US" sz="2400" dirty="0"/>
-              <a:t>Academic Honesty (VERY IMPORTANT)</a:t>
-            </a:r>
-          </a:p>
-          <a:p>
-            <a:pPr marL="457200" indent="-457200">
-              <a:buFont typeface="Arial"/>
-              <a:buChar char="•"/>
-            </a:pPr>
-            <a:r>
-              <a:rPr lang="en-US" sz="2400" dirty="0"/>
-              <a:t>Participation</a:t>
-            </a:r>
-          </a:p>
-          <a:p>
-            <a:pPr marL="457200" indent="-457200">
-              <a:buFont typeface="Arial"/>
-              <a:buChar char="•"/>
-            </a:pPr>
-            <a:r>
-              <a:rPr lang="en-US" sz="2400" dirty="0"/>
-              <a:t>Discussions on Camino</a:t>
-            </a:r>
-          </a:p>
-          <a:p>
-            <a:pPr marL="914400" lvl="1" indent="-457200">
-              <a:buFont typeface="Arial"/>
-              <a:buChar char="•"/>
-            </a:pPr>
-            <a:endParaRPr lang="en-US" dirty="0"/>
-          </a:p>
-          <a:p>
-            <a:endParaRPr lang="en-US" sz="2800" dirty="0"/>
+            <a:r>
+              <a:rPr lang="en-US" sz="2800" dirty="0"/>
+              <a:t>1. The world is drowning in data!</a:t>
+            </a:r>
+          </a:p>
+          <a:p>
+            <a:r>
+              <a:rPr lang="en-US" sz="2800" dirty="0"/>
+              <a:t>2. Need data analysts to help manage this data</a:t>
+            </a:r>
+          </a:p>
+          <a:p>
+            <a:pPr lvl="1"/>
+            <a:r>
+              <a:rPr lang="en-US" sz="2800" dirty="0"/>
+              <a:t>Help domain scientists achieve new discoveries</a:t>
+            </a:r>
+          </a:p>
+          <a:p>
+            <a:pPr lvl="1"/>
+            <a:r>
+              <a:rPr lang="en-US" sz="2800" dirty="0"/>
+              <a:t>Help companies provide better services (e.g., Facebook)</a:t>
+            </a:r>
+          </a:p>
+          <a:p>
+            <a:pPr lvl="1"/>
+            <a:r>
+              <a:rPr lang="en-US" sz="2800" dirty="0"/>
+              <a:t>Help governments (and universities!) become more efficient </a:t>
+            </a:r>
+          </a:p>
+          <a:p>
+            <a:r>
+              <a:rPr lang="en-US" sz="2800" dirty="0"/>
+              <a:t>3. Learn how to analyze data for Business Intelligence</a:t>
+            </a:r>
+          </a:p>
+          <a:p>
+            <a:pPr marL="274320" lvl="1" indent="0">
+              <a:buNone/>
+            </a:pPr>
+            <a:endParaRPr lang="en-US" sz="2000" dirty="0"/>
           </a:p>
         </p:txBody>
       </p:sp>
     </p:spTree>
     <p:extLst>
       <p:ext uri="{BB962C8B-B14F-4D97-AF65-F5344CB8AC3E}">
-        <p14:creationId xmlns:p14="http://schemas.microsoft.com/office/powerpoint/2010/main" val="3559783805"/>
+        <p14:creationId xmlns:p14="http://schemas.microsoft.com/office/powerpoint/2010/main" val="1263919380"/>
       </p:ext>
     </p:extLst>
   </p:cSld>
@@ -8207,7 +8090,7 @@
         <p:spPr>
           <a:xfrm>
             <a:off x="457200" y="152718"/>
-            <a:ext cx="5791200" cy="844809"/>
+            <a:ext cx="9598616" cy="886373"/>
           </a:xfrm>
         </p:spPr>
         <p:txBody>
@@ -8216,7 +8099,7 @@
           <a:p>
             <a:r>
               <a:rPr lang="en-US" dirty="0"/>
-              <a:t>Class Goals</a:t>
+              <a:t>Why Data  WAREHOUSING?</a:t>
             </a:r>
           </a:p>
         </p:txBody>
@@ -8233,8 +8116,8 @@
         </p:nvSpPr>
         <p:spPr>
           <a:xfrm>
-            <a:off x="685800" y="1132609"/>
-            <a:ext cx="8153400" cy="4963391"/>
+            <a:off x="457200" y="1236519"/>
+            <a:ext cx="8382000" cy="4859482"/>
           </a:xfrm>
         </p:spPr>
         <p:txBody>
@@ -8243,56 +8126,97 @@
           </a:bodyPr>
           <a:lstStyle/>
           <a:p>
-            <a:r>
-              <a:rPr lang="en-US" sz="2800" dirty="0"/>
-              <a:t>1. The world is drowning in data!</a:t>
-            </a:r>
-          </a:p>
-          <a:p>
-            <a:r>
-              <a:rPr lang="en-US" sz="2800" dirty="0"/>
-              <a:t>2. Need data analysts to help manage this data</a:t>
-            </a:r>
-          </a:p>
-          <a:p>
-            <a:pPr lvl="1"/>
-            <a:r>
-              <a:rPr lang="en-US" sz="2800" dirty="0"/>
-              <a:t>Help domain scientists achieve new discoveries</a:t>
-            </a:r>
-          </a:p>
-          <a:p>
-            <a:pPr lvl="1"/>
-            <a:r>
-              <a:rPr lang="en-US" sz="2800" dirty="0"/>
-              <a:t>Help companies provide better services (e.g., Facebook)</a:t>
-            </a:r>
-          </a:p>
-          <a:p>
-            <a:pPr lvl="1"/>
-            <a:r>
-              <a:rPr lang="en-US" sz="2800" dirty="0"/>
-              <a:t>Help governments (and universities!) become more efficient </a:t>
-            </a:r>
-          </a:p>
-          <a:p>
-            <a:r>
-              <a:rPr lang="en-US" sz="2800" dirty="0"/>
-              <a:t>3. Learn how to analyze data for Business Intelligence</a:t>
-            </a:r>
-          </a:p>
-          <a:p>
-            <a:pPr marL="274320" lvl="1" indent="0">
-              <a:buNone/>
-            </a:pPr>
-            <a:endParaRPr lang="en-US" sz="2000" dirty="0"/>
+            <a:pPr marL="342900" indent="-342900">
+              <a:buFont typeface="Arial"/>
+              <a:buChar char="•"/>
+            </a:pPr>
+            <a:r>
+              <a:rPr lang="en-US" sz="3200" b="0" i="0" dirty="0">
+                <a:solidFill>
+                  <a:srgbClr val="161616"/>
+                </a:solidFill>
+                <a:effectLst/>
+                <a:latin typeface="IBM Plex Sans" panose="020B0503050203000203" pitchFamily="34" charset="0"/>
+              </a:rPr>
+              <a:t>To boost company's decision-making abilities</a:t>
+            </a:r>
+          </a:p>
+          <a:p>
+            <a:pPr marL="342900" indent="-342900">
+              <a:buFont typeface="Arial"/>
+              <a:buChar char="•"/>
+            </a:pPr>
+            <a:r>
+              <a:rPr lang="en-US" sz="3200" b="0" dirty="0">
+                <a:solidFill>
+                  <a:srgbClr val="161616"/>
+                </a:solidFill>
+                <a:latin typeface="IBM Plex Sans" panose="020B0503050203000203" pitchFamily="34" charset="0"/>
+              </a:rPr>
+              <a:t>S</a:t>
+            </a:r>
+            <a:r>
+              <a:rPr lang="en-US" sz="3200" b="0" i="0" dirty="0">
+                <a:solidFill>
+                  <a:srgbClr val="161616"/>
+                </a:solidFill>
+                <a:effectLst/>
+                <a:latin typeface="IBM Plex Sans" panose="020B0503050203000203" pitchFamily="34" charset="0"/>
+              </a:rPr>
+              <a:t>upport Business </a:t>
+            </a:r>
+            <a:r>
+              <a:rPr lang="en-US" sz="3200" b="0" dirty="0">
+                <a:solidFill>
+                  <a:srgbClr val="161616"/>
+                </a:solidFill>
+                <a:latin typeface="IBM Plex Sans" panose="020B0503050203000203" pitchFamily="34" charset="0"/>
+              </a:rPr>
+              <a:t>I</a:t>
+            </a:r>
+            <a:r>
+              <a:rPr lang="en-US" sz="3200" b="0" i="0" dirty="0">
+                <a:solidFill>
+                  <a:srgbClr val="161616"/>
+                </a:solidFill>
+                <a:effectLst/>
+                <a:latin typeface="IBM Plex Sans" panose="020B0503050203000203" pitchFamily="34" charset="0"/>
+              </a:rPr>
+              <a:t>ntelligence and AI initiatives.</a:t>
+            </a:r>
+          </a:p>
+          <a:p>
+            <a:pPr marL="342900" indent="-342900">
+              <a:buFont typeface="Arial"/>
+              <a:buChar char="•"/>
+            </a:pPr>
+            <a:r>
+              <a:rPr lang="en-US" sz="3200" b="0" dirty="0">
+                <a:solidFill>
+                  <a:srgbClr val="161616"/>
+                </a:solidFill>
+                <a:latin typeface="IBM Plex Sans" panose="020B0503050203000203" pitchFamily="34" charset="0"/>
+              </a:rPr>
+              <a:t>I</a:t>
+            </a:r>
+            <a:r>
+              <a:rPr lang="en-US" sz="3200" b="0" i="0" dirty="0">
+                <a:solidFill>
+                  <a:srgbClr val="161616"/>
+                </a:solidFill>
+                <a:effectLst/>
+                <a:latin typeface="IBM Plex Sans" panose="020B0503050203000203" pitchFamily="34" charset="0"/>
+              </a:rPr>
+              <a:t>t is crucial to have a flexible and trusted data foundation.</a:t>
+            </a:r>
+            <a:endParaRPr lang="en-US" sz="3200" dirty="0"/>
           </a:p>
         </p:txBody>
       </p:sp>
     </p:spTree>
     <p:extLst>
       <p:ext uri="{BB962C8B-B14F-4D97-AF65-F5344CB8AC3E}">
-        <p14:creationId xmlns:p14="http://schemas.microsoft.com/office/powerpoint/2010/main" val="1263919380"/>
+        <p14:creationId xmlns:p14="http://schemas.microsoft.com/office/powerpoint/2010/main" val="1366834747"/>
       </p:ext>
     </p:extLst>
   </p:cSld>
@@ -8486,144 +8410,88 @@
       </p:grpSpPr>
       <p:sp>
         <p:nvSpPr>
-          <p:cNvPr id="2" name="Title 1"/>
-          <p:cNvSpPr>
-            <a:spLocks noGrp="1"/>
+          <p:cNvPr id="152578" name="Rectangle 2"/>
+          <p:cNvSpPr>
+            <a:spLocks noGrp="1" noChangeArrowheads="1"/>
           </p:cNvSpPr>
           <p:nvPr>
             <p:ph type="title"/>
           </p:nvPr>
         </p:nvSpPr>
-        <p:spPr>
-          <a:xfrm>
-            <a:off x="457200" y="152718"/>
-            <a:ext cx="9598616" cy="886373"/>
-          </a:xfrm>
-        </p:spPr>
+        <p:spPr/>
         <p:txBody>
           <a:bodyPr/>
           <a:lstStyle/>
           <a:p>
             <a:r>
-              <a:rPr lang="en-US" dirty="0"/>
-              <a:t>Why Data  WAREHOUSING?</a:t>
-            </a:r>
-          </a:p>
-        </p:txBody>
-      </p:sp>
-      <p:sp>
-        <p:nvSpPr>
-          <p:cNvPr id="3" name="Content Placeholder 2"/>
-          <p:cNvSpPr>
-            <a:spLocks noGrp="1"/>
-          </p:cNvSpPr>
-          <p:nvPr>
-            <p:ph idx="1"/>
-          </p:nvPr>
-        </p:nvSpPr>
-        <p:spPr>
-          <a:xfrm>
-            <a:off x="457200" y="1236519"/>
-            <a:ext cx="8382000" cy="4859482"/>
-          </a:xfrm>
-        </p:spPr>
-        <p:txBody>
-          <a:bodyPr>
-            <a:normAutofit/>
-          </a:bodyPr>
-          <a:lstStyle/>
-          <a:p>
-            <a:pPr marL="342900" indent="-342900">
-              <a:buFont typeface="Arial"/>
-              <a:buChar char="•"/>
-            </a:pPr>
-            <a:r>
-              <a:rPr lang="en-US" sz="3200" b="0" i="0" dirty="0">
-                <a:solidFill>
-                  <a:srgbClr val="161616"/>
-                </a:solidFill>
-                <a:effectLst/>
-                <a:latin typeface="IBM Plex Sans" panose="020B0503050203000203" pitchFamily="34" charset="0"/>
-              </a:rPr>
-              <a:t>To boost company's decision-making abilities</a:t>
-            </a:r>
-          </a:p>
-          <a:p>
-            <a:pPr marL="342900" indent="-342900">
-              <a:buFont typeface="Arial"/>
-              <a:buChar char="•"/>
-            </a:pPr>
-            <a:r>
-              <a:rPr lang="en-US" sz="3200" b="0" dirty="0">
-                <a:solidFill>
-                  <a:srgbClr val="161616"/>
-                </a:solidFill>
-                <a:latin typeface="IBM Plex Sans" panose="020B0503050203000203" pitchFamily="34" charset="0"/>
-              </a:rPr>
-              <a:t>S</a:t>
-            </a:r>
-            <a:r>
-              <a:rPr lang="en-US" sz="3200" b="0" i="0" dirty="0">
-                <a:solidFill>
-                  <a:srgbClr val="161616"/>
-                </a:solidFill>
-                <a:effectLst/>
-                <a:latin typeface="IBM Plex Sans" panose="020B0503050203000203" pitchFamily="34" charset="0"/>
-              </a:rPr>
-              <a:t>upport Business </a:t>
-            </a:r>
-            <a:r>
-              <a:rPr lang="en-US" sz="3200" b="0" dirty="0">
-                <a:solidFill>
-                  <a:srgbClr val="161616"/>
-                </a:solidFill>
-                <a:latin typeface="IBM Plex Sans" panose="020B0503050203000203" pitchFamily="34" charset="0"/>
-              </a:rPr>
-              <a:t>I</a:t>
-            </a:r>
-            <a:r>
-              <a:rPr lang="en-US" sz="3200" b="0" i="0" dirty="0">
-                <a:solidFill>
-                  <a:srgbClr val="161616"/>
-                </a:solidFill>
-                <a:effectLst/>
-                <a:latin typeface="IBM Plex Sans" panose="020B0503050203000203" pitchFamily="34" charset="0"/>
-              </a:rPr>
-              <a:t>ntelligence and AI initiatives.</a:t>
-            </a:r>
-          </a:p>
-          <a:p>
-            <a:pPr marL="342900" indent="-342900">
-              <a:buFont typeface="Arial"/>
-              <a:buChar char="•"/>
-            </a:pPr>
-            <a:r>
-              <a:rPr lang="en-US" sz="3200" b="0" dirty="0">
-                <a:solidFill>
-                  <a:srgbClr val="161616"/>
-                </a:solidFill>
-                <a:latin typeface="IBM Plex Sans" panose="020B0503050203000203" pitchFamily="34" charset="0"/>
-              </a:rPr>
-              <a:t>I</a:t>
-            </a:r>
-            <a:r>
-              <a:rPr lang="en-US" sz="3200" b="0" i="0" dirty="0">
-                <a:solidFill>
-                  <a:srgbClr val="161616"/>
-                </a:solidFill>
-                <a:effectLst/>
-                <a:latin typeface="IBM Plex Sans" panose="020B0503050203000203" pitchFamily="34" charset="0"/>
-              </a:rPr>
-              <a:t>t is crucial to have a flexible and trusted data foundation.</a:t>
-            </a:r>
-            <a:endParaRPr lang="en-US" sz="3200" dirty="0"/>
+              <a:rPr lang="en-US" sz="4000" dirty="0"/>
+              <a:t>Database &amp;</a:t>
+            </a:r>
+            <a:br>
+              <a:rPr lang="en-US" sz="4000" dirty="0"/>
+            </a:br>
+            <a:r>
+              <a:rPr lang="en-US" sz="4000" dirty="0"/>
+              <a:t>Data  WareHouse</a:t>
+            </a:r>
+          </a:p>
+        </p:txBody>
+      </p:sp>
+      <p:sp>
+        <p:nvSpPr>
+          <p:cNvPr id="152579" name="Rectangle 3"/>
+          <p:cNvSpPr>
+            <a:spLocks noGrp="1" noChangeArrowheads="1"/>
+          </p:cNvSpPr>
+          <p:nvPr>
+            <p:ph type="body" idx="1"/>
+          </p:nvPr>
+        </p:nvSpPr>
+        <p:spPr/>
+        <p:txBody>
+          <a:bodyPr/>
+          <a:lstStyle/>
+          <a:p>
+            <a:pPr>
+              <a:buFontTx/>
+              <a:buNone/>
+            </a:pPr>
+            <a:r>
+              <a:rPr lang="en-US" sz="2800" dirty="0"/>
+              <a:t>What is a database?</a:t>
+            </a:r>
+          </a:p>
+          <a:p>
+            <a:r>
+              <a:rPr lang="en-US" sz="2800" dirty="0"/>
+              <a:t>What is a data warehouse?</a:t>
+            </a:r>
+          </a:p>
+          <a:p>
+            <a:pPr>
+              <a:buFontTx/>
+              <a:buNone/>
+            </a:pPr>
+            <a:endParaRPr lang="en-US" sz="2800" dirty="0"/>
+          </a:p>
+          <a:p>
+            <a:endParaRPr lang="en-US" sz="2800" dirty="0"/>
+          </a:p>
+          <a:p>
+            <a:endParaRPr lang="en-US" sz="2800" dirty="0"/>
+          </a:p>
+          <a:p>
+            <a:endParaRPr lang="en-US" sz="2800" dirty="0"/>
+          </a:p>
+          <a:p>
+            <a:endParaRPr lang="en-US" sz="2800" dirty="0"/>
           </a:p>
         </p:txBody>
       </p:sp>
     </p:spTree>
     <p:extLst>
       <p:ext uri="{BB962C8B-B14F-4D97-AF65-F5344CB8AC3E}">
-        <p14:creationId xmlns:p14="http://schemas.microsoft.com/office/powerpoint/2010/main" val="1366834747"/>
+        <p14:creationId xmlns:p14="http://schemas.microsoft.com/office/powerpoint/2010/main" val="4272547170"/>
       </p:ext>
     </p:extLst>
   </p:cSld>
@@ -8652,7 +8520,7 @@
       </p:grpSpPr>
       <p:sp>
         <p:nvSpPr>
-          <p:cNvPr id="152578" name="Rectangle 2"/>
+          <p:cNvPr id="154626" name="Rectangle 2"/>
           <p:cNvSpPr>
             <a:spLocks noGrp="1" noChangeArrowheads="1"/>
           </p:cNvSpPr>
@@ -8667,21 +8535,14 @@
           <a:p>
             <a:r>
               <a:rPr lang="en-US" sz="4000" dirty="0"/>
-              <a:t>Database &amp;</a:t>
-            </a:r>
-            <a:br>
-              <a:rPr lang="en-US" sz="4000" dirty="0"/>
-            </a:br>
-            <a:r>
-              <a:rPr lang="en-US" sz="4000" dirty="0"/>
-              <a:t>Data  WareHouse</a:t>
-            </a:r>
-          </a:p>
-        </p:txBody>
-      </p:sp>
-      <p:sp>
-        <p:nvSpPr>
-          <p:cNvPr id="152579" name="Rectangle 3"/>
+              <a:t>Database</a:t>
+            </a:r>
+          </a:p>
+        </p:txBody>
+      </p:sp>
+      <p:sp>
+        <p:nvSpPr>
+          <p:cNvPr id="154627" name="Rectangle 3"/>
           <p:cNvSpPr>
             <a:spLocks noGrp="1" noChangeArrowheads="1"/>
           </p:cNvSpPr>
@@ -8700,40 +8561,42 @@
             </a:pPr>
             <a:r>
               <a:rPr lang="en-US" sz="2800" dirty="0"/>
-              <a:t>What is a database?</a:t>
-            </a:r>
-          </a:p>
-          <a:p>
-            <a:r>
-              <a:rPr lang="en-US" sz="2800" dirty="0"/>
-              <a:t>What is a data warehouse?</a:t>
-            </a:r>
+              <a:t>What is a database ?</a:t>
+            </a:r>
+          </a:p>
+          <a:p>
+            <a:r>
+              <a:rPr lang="en-US" sz="2400" b="0" dirty="0"/>
+              <a:t>A collection of files storing </a:t>
+            </a:r>
+            <a:r>
+              <a:rPr lang="en-US" sz="2400" b="0" i="1" dirty="0"/>
+              <a:t>related</a:t>
+            </a:r>
+            <a:r>
+              <a:rPr lang="en-US" sz="2400" b="0" dirty="0"/>
+              <a:t> data</a:t>
+            </a:r>
+          </a:p>
+          <a:p>
+            <a:endParaRPr lang="en-US" sz="2800" b="0" i="1" dirty="0"/>
           </a:p>
           <a:p>
             <a:pPr>
               <a:buFontTx/>
               <a:buNone/>
             </a:pPr>
-            <a:endParaRPr lang="en-US" sz="2800" dirty="0"/>
-          </a:p>
-          <a:p>
-            <a:endParaRPr lang="en-US" sz="2800" dirty="0"/>
-          </a:p>
-          <a:p>
-            <a:endParaRPr lang="en-US" sz="2800" dirty="0"/>
-          </a:p>
-          <a:p>
-            <a:endParaRPr lang="en-US" sz="2800" dirty="0"/>
-          </a:p>
-          <a:p>
-            <a:endParaRPr lang="en-US" sz="2800" dirty="0"/>
+            <a:r>
+              <a:rPr lang="en-US" sz="2800" dirty="0"/>
+              <a:t>Give examples of databases</a:t>
+            </a:r>
           </a:p>
         </p:txBody>
       </p:sp>
     </p:spTree>
     <p:extLst>
       <p:ext uri="{BB962C8B-B14F-4D97-AF65-F5344CB8AC3E}">
-        <p14:creationId xmlns:p14="http://schemas.microsoft.com/office/powerpoint/2010/main" val="4272547170"/>
+        <p14:creationId xmlns:p14="http://schemas.microsoft.com/office/powerpoint/2010/main" val="332113163"/>
       </p:ext>
     </p:extLst>
   </p:cSld>
@@ -8794,7 +8657,9 @@
         </p:nvSpPr>
         <p:spPr/>
         <p:txBody>
-          <a:bodyPr/>
+          <a:bodyPr>
+            <a:normAutofit fontScale="92500" lnSpcReduction="10000"/>
+          </a:bodyPr>
           <a:lstStyle/>
           <a:p>
             <a:pPr>
@@ -8813,15 +8678,15 @@
             </a:r>
             <a:r>
               <a:rPr lang="en-US" sz="2400" b="0" i="1" dirty="0"/>
-              <a:t>related</a:t>
+              <a:t>related </a:t>
             </a:r>
             <a:r>
               <a:rPr lang="en-US" sz="2400" b="0" dirty="0"/>
-              <a:t> data</a:t>
-            </a:r>
-          </a:p>
-          <a:p>
-            <a:endParaRPr lang="en-US" sz="2800" b="0" i="1" dirty="0"/>
+              <a:t>data</a:t>
+            </a:r>
+          </a:p>
+          <a:p>
+            <a:endParaRPr lang="en-US" sz="2800" dirty="0"/>
           </a:p>
           <a:p>
             <a:pPr>
@@ -8833,12 +8698,62 @@
               <a:t>Give examples of databases</a:t>
             </a:r>
           </a:p>
+          <a:p>
+            <a:pPr marL="342900" indent="-342900">
+              <a:buFont typeface="Arial" panose="020B0604020202020204" pitchFamily="34" charset="0"/>
+              <a:buChar char="•"/>
+            </a:pPr>
+            <a:r>
+              <a:rPr lang="en-US" sz="2400" b="0" dirty="0"/>
+              <a:t>Accounts database</a:t>
+            </a:r>
+          </a:p>
+          <a:p>
+            <a:pPr marL="342900" indent="-342900">
+              <a:buFont typeface="Arial" panose="020B0604020202020204" pitchFamily="34" charset="0"/>
+              <a:buChar char="•"/>
+            </a:pPr>
+            <a:r>
+              <a:rPr lang="en-US" sz="2400" b="0" dirty="0"/>
+              <a:t>Payroll database</a:t>
+            </a:r>
+          </a:p>
+          <a:p>
+            <a:pPr marL="342900" indent="-342900">
+              <a:buFont typeface="Arial" panose="020B0604020202020204" pitchFamily="34" charset="0"/>
+              <a:buChar char="•"/>
+            </a:pPr>
+            <a:r>
+              <a:rPr lang="en-US" sz="2400" b="0" dirty="0"/>
+              <a:t>Students database</a:t>
+            </a:r>
+          </a:p>
+          <a:p>
+            <a:pPr marL="342900" indent="-342900">
+              <a:buFont typeface="Arial" panose="020B0604020202020204" pitchFamily="34" charset="0"/>
+              <a:buChar char="•"/>
+            </a:pPr>
+            <a:r>
+              <a:rPr lang="en-US" sz="2400" b="0" dirty="0"/>
+              <a:t>Amazon’s products database</a:t>
+            </a:r>
+          </a:p>
+          <a:p>
+            <a:pPr marL="342900" indent="-342900">
+              <a:buFont typeface="Arial" panose="020B0604020202020204" pitchFamily="34" charset="0"/>
+              <a:buChar char="•"/>
+            </a:pPr>
+            <a:r>
+              <a:rPr lang="en-US" sz="2400" b="0" dirty="0"/>
+              <a:t>Airline reservation database</a:t>
+            </a:r>
+          </a:p>
         </p:txBody>
       </p:sp>
     </p:spTree>
     <p:extLst>
       <p:ext uri="{BB962C8B-B14F-4D97-AF65-F5344CB8AC3E}">
-        <p14:creationId xmlns:p14="http://schemas.microsoft.com/office/powerpoint/2010/main" val="332113163"/>
+        <p14:creationId xmlns:p14="http://schemas.microsoft.com/office/powerpoint/2010/main" val="73030295"/>
       </p:ext>
     </p:extLst>
   </p:cSld>
@@ -8867,7 +8782,7 @@
       </p:grpSpPr>
       <p:sp>
         <p:nvSpPr>
-          <p:cNvPr id="154626" name="Rectangle 2"/>
+          <p:cNvPr id="156674" name="Rectangle 2"/>
           <p:cNvSpPr>
             <a:spLocks noGrp="1" noChangeArrowheads="1"/>
           </p:cNvSpPr>
@@ -8875,33 +8790,38 @@
             <p:ph type="title"/>
           </p:nvPr>
         </p:nvSpPr>
+        <p:spPr>
+          <a:xfrm>
+            <a:off x="381000" y="609600"/>
+            <a:ext cx="8305800" cy="1143000"/>
+          </a:xfrm>
+        </p:spPr>
+        <p:txBody>
+          <a:bodyPr>
+            <a:normAutofit/>
+          </a:bodyPr>
+          <a:lstStyle/>
+          <a:p>
+            <a:r>
+              <a:rPr lang="en-US" sz="4000" dirty="0"/>
+              <a:t>Database Management System</a:t>
+            </a:r>
+          </a:p>
+        </p:txBody>
+      </p:sp>
+      <p:sp>
+        <p:nvSpPr>
+          <p:cNvPr id="156675" name="Rectangle 3"/>
+          <p:cNvSpPr>
+            <a:spLocks noGrp="1" noChangeArrowheads="1"/>
+          </p:cNvSpPr>
+          <p:nvPr>
+            <p:ph type="body" idx="1"/>
+          </p:nvPr>
+        </p:nvSpPr>
         <p:spPr/>
         <p:txBody>
           <a:bodyPr/>
-          <a:lstStyle/>
-          <a:p>
-            <a:r>
-              <a:rPr lang="en-US" sz="4000" dirty="0"/>
-              <a:t>Database</a:t>
-            </a:r>
-          </a:p>
-        </p:txBody>
-      </p:sp>
-      <p:sp>
-        <p:nvSpPr>
-          <p:cNvPr id="154627" name="Rectangle 3"/>
-          <p:cNvSpPr>
-            <a:spLocks noGrp="1" noChangeArrowheads="1"/>
-          </p:cNvSpPr>
-          <p:nvPr>
-            <p:ph type="body" idx="1"/>
-          </p:nvPr>
-        </p:nvSpPr>
-        <p:spPr/>
-        <p:txBody>
-          <a:bodyPr>
-            <a:normAutofit fontScale="92500" lnSpcReduction="10000"/>
-          </a:bodyPr>
           <a:lstStyle/>
           <a:p>
             <a:pPr>
@@ -8910,21 +8830,7 @@
             </a:pPr>
             <a:r>
               <a:rPr lang="en-US" sz="2800" dirty="0"/>
-              <a:t>What is a database ?</a:t>
-            </a:r>
-          </a:p>
-          <a:p>
-            <a:r>
-              <a:rPr lang="en-US" sz="2400" b="0" dirty="0"/>
-              <a:t>A collection of files storing </a:t>
-            </a:r>
-            <a:r>
-              <a:rPr lang="en-US" sz="2400" b="0" i="1" dirty="0"/>
-              <a:t>related </a:t>
-            </a:r>
-            <a:r>
-              <a:rPr lang="en-US" sz="2400" b="0" dirty="0"/>
-              <a:t>data</a:t>
+              <a:t>What is a DBMS ?</a:t>
             </a:r>
           </a:p>
           <a:p>
@@ -8932,70 +8838,16 @@
           </a:p>
           <a:p>
             <a:pPr>
-              <a:buFontTx/>
               <a:buNone/>
             </a:pPr>
-            <a:r>
-              <a:rPr lang="en-US" sz="2800" dirty="0"/>
-              <a:t>Give examples of databases</a:t>
-            </a:r>
-          </a:p>
-          <a:p>
-            <a:pPr marL="342900" indent="-342900">
-              <a:buFont typeface="Arial" panose="020B0604020202020204" pitchFamily="34" charset="0"/>
-              <a:buChar char="•"/>
-            </a:pPr>
-            <a:r>
-              <a:rPr lang="en-US" sz="2400" b="0" dirty="0"/>
-              <a:t>Accounts database</a:t>
-            </a:r>
-          </a:p>
-          <a:p>
-            <a:pPr marL="342900" indent="-342900">
-              <a:buFont typeface="Arial" panose="020B0604020202020204" pitchFamily="34" charset="0"/>
-              <a:buChar char="•"/>
-            </a:pPr>
-            <a:r>
-              <a:rPr lang="en-US" sz="2400" b="0" dirty="0"/>
-              <a:t>Payroll database</a:t>
-            </a:r>
-          </a:p>
-          <a:p>
-            <a:pPr marL="342900" indent="-342900">
-              <a:buFont typeface="Arial" panose="020B0604020202020204" pitchFamily="34" charset="0"/>
-              <a:buChar char="•"/>
-            </a:pPr>
-            <a:r>
-              <a:rPr lang="en-US" sz="2400" b="0" dirty="0"/>
-              <a:t>Students database</a:t>
-            </a:r>
-          </a:p>
-          <a:p>
-            <a:pPr marL="342900" indent="-342900">
-              <a:buFont typeface="Arial" panose="020B0604020202020204" pitchFamily="34" charset="0"/>
-              <a:buChar char="•"/>
-            </a:pPr>
-            <a:r>
-              <a:rPr lang="en-US" sz="2400" b="0" dirty="0"/>
-              <a:t>Amazon’s products database</a:t>
-            </a:r>
-          </a:p>
-          <a:p>
-            <a:pPr marL="342900" indent="-342900">
-              <a:buFont typeface="Arial" panose="020B0604020202020204" pitchFamily="34" charset="0"/>
-              <a:buChar char="•"/>
-            </a:pPr>
-            <a:r>
-              <a:rPr lang="en-US" sz="2400" b="0" dirty="0"/>
-              <a:t>Airline reservation database</a:t>
-            </a:r>
+            <a:endParaRPr lang="en-US" sz="2800" dirty="0"/>
           </a:p>
         </p:txBody>
       </p:sp>
     </p:spTree>
     <p:extLst>
       <p:ext uri="{BB962C8B-B14F-4D97-AF65-F5344CB8AC3E}">
-        <p14:creationId xmlns:p14="http://schemas.microsoft.com/office/powerpoint/2010/main" val="73030295"/>
+        <p14:creationId xmlns:p14="http://schemas.microsoft.com/office/powerpoint/2010/main" val="2930247048"/>
       </p:ext>
     </p:extLst>
   </p:cSld>
@@ -9024,7 +8876,128 @@
       </p:grpSpPr>
       <p:sp>
         <p:nvSpPr>
-          <p:cNvPr id="156674" name="Rectangle 2"/>
+          <p:cNvPr id="158723" name="Rectangle 3"/>
+          <p:cNvSpPr>
+            <a:spLocks noGrp="1" noChangeArrowheads="1"/>
+          </p:cNvSpPr>
+          <p:nvPr>
+            <p:ph type="body" idx="1"/>
+          </p:nvPr>
+        </p:nvSpPr>
+        <p:spPr>
+          <a:xfrm>
+            <a:off x="685800" y="1981200"/>
+            <a:ext cx="8001000" cy="4114800"/>
+          </a:xfrm>
+        </p:spPr>
+        <p:txBody>
+          <a:bodyPr>
+            <a:normAutofit/>
+          </a:bodyPr>
+          <a:lstStyle/>
+          <a:p>
+            <a:pPr>
+              <a:buFontTx/>
+              <a:buNone/>
+            </a:pPr>
+            <a:r>
+              <a:rPr lang="en-US" sz="2800" dirty="0"/>
+              <a:t>What is a DBMS ?</a:t>
+            </a:r>
+          </a:p>
+          <a:p>
+            <a:r>
+              <a:rPr lang="en-US" sz="2400" b="0" i="1" dirty="0"/>
+              <a:t>A big program written by someone else that allows us to manage efficiently a large database and allows it to persist over long periods of time</a:t>
+            </a:r>
+            <a:endParaRPr lang="en-US" sz="2800" b="0" dirty="0"/>
+          </a:p>
+          <a:p>
+            <a:pPr>
+              <a:buFontTx/>
+              <a:buNone/>
+            </a:pPr>
+            <a:r>
+              <a:rPr lang="en-US" sz="2800" dirty="0"/>
+              <a:t>Examples of DBMSs</a:t>
+            </a:r>
+          </a:p>
+          <a:p>
+            <a:pPr lvl="1"/>
+            <a:r>
+              <a:rPr lang="en-US" sz="2000" dirty="0"/>
+              <a:t>Oracle, IBM DB2, Microsoft SQL Server, </a:t>
+            </a:r>
+            <a:r>
+              <a:rPr lang="en-US" sz="2000" dirty="0" err="1"/>
+              <a:t>Vertica</a:t>
+            </a:r>
+            <a:r>
+              <a:rPr lang="en-US" sz="2000" dirty="0"/>
+              <a:t>, Teradata</a:t>
+            </a:r>
+          </a:p>
+          <a:p>
+            <a:pPr lvl="1"/>
+            <a:r>
+              <a:rPr lang="en-US" sz="2000" dirty="0"/>
+              <a:t>Open source: MySQL (Sun/Oracle), </a:t>
+            </a:r>
+            <a:r>
+              <a:rPr lang="en-US" sz="2000" dirty="0" err="1"/>
+              <a:t>PostgreSQL</a:t>
+            </a:r>
+            <a:r>
+              <a:rPr lang="en-US" sz="2000" dirty="0"/>
+              <a:t>, </a:t>
+            </a:r>
+            <a:r>
+              <a:rPr lang="en-US" sz="2000" dirty="0" err="1"/>
+              <a:t>CouchDB</a:t>
+            </a:r>
+            <a:endParaRPr lang="en-US" sz="2000" dirty="0"/>
+          </a:p>
+          <a:p>
+            <a:pPr lvl="1"/>
+            <a:r>
+              <a:rPr lang="en-US" sz="2000" dirty="0"/>
+              <a:t>Open source library: </a:t>
+            </a:r>
+            <a:r>
+              <a:rPr lang="en-US" sz="2000" dirty="0" err="1"/>
+              <a:t>SQLite</a:t>
+            </a:r>
+            <a:endParaRPr lang="en-US" sz="2000" dirty="0"/>
+          </a:p>
+          <a:p>
+            <a:pPr>
+              <a:buNone/>
+            </a:pPr>
+            <a:r>
+              <a:rPr lang="en-US" sz="2800" dirty="0"/>
+              <a:t>We will focus on </a:t>
+            </a:r>
+            <a:r>
+              <a:rPr lang="en-US" sz="2800" dirty="0">
+                <a:solidFill>
+                  <a:srgbClr val="0000FF"/>
+                </a:solidFill>
+              </a:rPr>
+              <a:t>relational </a:t>
+            </a:r>
+            <a:r>
+              <a:rPr lang="en-US" sz="2800" dirty="0"/>
+              <a:t>DBMSs: MySQL</a:t>
+            </a:r>
+          </a:p>
+          <a:p>
+            <a:endParaRPr lang="en-US" sz="2400" dirty="0"/>
+          </a:p>
+        </p:txBody>
+      </p:sp>
+      <p:sp>
+        <p:nvSpPr>
+          <p:cNvPr id="8" name="Rectangle 2"/>
           <p:cNvSpPr>
             <a:spLocks noGrp="1" noChangeArrowheads="1"/>
           </p:cNvSpPr>
@@ -9051,45 +9024,10 @@
           </a:p>
         </p:txBody>
       </p:sp>
-      <p:sp>
-        <p:nvSpPr>
-          <p:cNvPr id="156675" name="Rectangle 3"/>
-          <p:cNvSpPr>
-            <a:spLocks noGrp="1" noChangeArrowheads="1"/>
-          </p:cNvSpPr>
-          <p:nvPr>
-            <p:ph type="body" idx="1"/>
-          </p:nvPr>
-        </p:nvSpPr>
-        <p:spPr/>
-        <p:txBody>
-          <a:bodyPr/>
-          <a:lstStyle/>
-          <a:p>
-            <a:pPr>
-              <a:buFontTx/>
-              <a:buNone/>
-            </a:pPr>
-            <a:r>
-              <a:rPr lang="en-US" sz="2800" dirty="0"/>
-              <a:t>What is a DBMS ?</a:t>
-            </a:r>
-          </a:p>
-          <a:p>
-            <a:endParaRPr lang="en-US" sz="2800" dirty="0"/>
-          </a:p>
-          <a:p>
-            <a:pPr>
-              <a:buNone/>
-            </a:pPr>
-            <a:endParaRPr lang="en-US" sz="2800" dirty="0"/>
-          </a:p>
-        </p:txBody>
-      </p:sp>
     </p:spTree>
     <p:extLst>
       <p:ext uri="{BB962C8B-B14F-4D97-AF65-F5344CB8AC3E}">
-        <p14:creationId xmlns:p14="http://schemas.microsoft.com/office/powerpoint/2010/main" val="2930247048"/>
+        <p14:creationId xmlns:p14="http://schemas.microsoft.com/office/powerpoint/2010/main" val="1655712008"/>
       </p:ext>
     </p:extLst>
   </p:cSld>
@@ -9118,139 +9056,42 @@
       </p:grpSpPr>
       <p:sp>
         <p:nvSpPr>
-          <p:cNvPr id="158723" name="Rectangle 3"/>
+          <p:cNvPr id="162818" name="Rectangle 2"/>
           <p:cNvSpPr>
             <a:spLocks noGrp="1" noChangeArrowheads="1"/>
           </p:cNvSpPr>
           <p:nvPr>
-            <p:ph type="body" idx="1"/>
-          </p:nvPr>
-        </p:nvSpPr>
-        <p:spPr>
-          <a:xfrm>
-            <a:off x="685800" y="1981200"/>
-            <a:ext cx="8001000" cy="4114800"/>
-          </a:xfrm>
-        </p:spPr>
+            <p:ph type="title"/>
+          </p:nvPr>
+        </p:nvSpPr>
+        <p:spPr/>
         <p:txBody>
           <a:bodyPr>
             <a:normAutofit/>
           </a:bodyPr>
           <a:lstStyle/>
           <a:p>
-            <a:pPr>
-              <a:buFontTx/>
-              <a:buNone/>
-            </a:pPr>
-            <a:r>
-              <a:rPr lang="en-US" sz="2800" dirty="0"/>
-              <a:t>What is a DBMS ?</a:t>
-            </a:r>
-          </a:p>
-          <a:p>
-            <a:r>
-              <a:rPr lang="en-US" sz="2400" b="0" i="1" dirty="0"/>
-              <a:t>A big program written by someone else that allows us to manage efficiently a large database and allows it to persist over long periods of time</a:t>
-            </a:r>
-            <a:endParaRPr lang="en-US" sz="2800" b="0" dirty="0"/>
-          </a:p>
-          <a:p>
-            <a:pPr>
-              <a:buFontTx/>
-              <a:buNone/>
-            </a:pPr>
-            <a:r>
-              <a:rPr lang="en-US" sz="2800" dirty="0"/>
-              <a:t>Examples of DBMSs</a:t>
-            </a:r>
-          </a:p>
-          <a:p>
-            <a:pPr lvl="1"/>
-            <a:r>
-              <a:rPr lang="en-US" sz="2000" dirty="0"/>
-              <a:t>Oracle, IBM DB2, Microsoft SQL Server, </a:t>
-            </a:r>
-            <a:r>
-              <a:rPr lang="en-US" sz="2000" dirty="0" err="1"/>
-              <a:t>Vertica</a:t>
-            </a:r>
-            <a:r>
-              <a:rPr lang="en-US" sz="2000" dirty="0"/>
-              <a:t>, Teradata</a:t>
-            </a:r>
-          </a:p>
-          <a:p>
-            <a:pPr lvl="1"/>
-            <a:r>
-              <a:rPr lang="en-US" sz="2000" dirty="0"/>
-              <a:t>Open source: MySQL (Sun/Oracle), </a:t>
-            </a:r>
-            <a:r>
-              <a:rPr lang="en-US" sz="2000" dirty="0" err="1"/>
-              <a:t>PostgreSQL</a:t>
-            </a:r>
-            <a:r>
-              <a:rPr lang="en-US" sz="2000" dirty="0"/>
-              <a:t>, </a:t>
-            </a:r>
-            <a:r>
-              <a:rPr lang="en-US" sz="2000" dirty="0" err="1"/>
-              <a:t>CouchDB</a:t>
-            </a:r>
-            <a:endParaRPr lang="en-US" sz="2000" dirty="0"/>
-          </a:p>
-          <a:p>
-            <a:pPr lvl="1"/>
-            <a:r>
-              <a:rPr lang="en-US" sz="2000" dirty="0"/>
-              <a:t>Open source library: </a:t>
-            </a:r>
-            <a:r>
-              <a:rPr lang="en-US" sz="2000" dirty="0" err="1"/>
-              <a:t>SQLite</a:t>
-            </a:r>
-            <a:endParaRPr lang="en-US" sz="2000" dirty="0"/>
-          </a:p>
-          <a:p>
-            <a:pPr>
-              <a:buNone/>
-            </a:pPr>
-            <a:r>
-              <a:rPr lang="en-US" sz="2800" dirty="0"/>
-              <a:t>We will focus on </a:t>
-            </a:r>
-            <a:r>
-              <a:rPr lang="en-US" sz="2800" dirty="0">
-                <a:solidFill>
-                  <a:srgbClr val="0000FF"/>
-                </a:solidFill>
-              </a:rPr>
-              <a:t>relational </a:t>
-            </a:r>
-            <a:r>
-              <a:rPr lang="en-US" sz="2800" dirty="0"/>
-              <a:t>DBMSs: MySQL</a:t>
-            </a:r>
-          </a:p>
-          <a:p>
-            <a:endParaRPr lang="en-US" sz="2400" dirty="0"/>
-          </a:p>
-        </p:txBody>
-      </p:sp>
-      <p:sp>
-        <p:nvSpPr>
-          <p:cNvPr id="8" name="Rectangle 2"/>
+            <a:r>
+              <a:rPr lang="en-US" sz="4000" dirty="0"/>
+              <a:t>An Example: Online Bookseller</a:t>
+            </a:r>
+          </a:p>
+        </p:txBody>
+      </p:sp>
+      <p:sp>
+        <p:nvSpPr>
+          <p:cNvPr id="162819" name="Rectangle 3"/>
           <p:cNvSpPr>
             <a:spLocks noGrp="1" noChangeArrowheads="1"/>
           </p:cNvSpPr>
           <p:nvPr>
-            <p:ph type="title"/>
+            <p:ph idx="1"/>
           </p:nvPr>
         </p:nvSpPr>
         <p:spPr>
           <a:xfrm>
-            <a:off x="381000" y="609600"/>
-            <a:ext cx="8305800" cy="1143000"/>
+            <a:off x="457200" y="1752600"/>
+            <a:ext cx="8153400" cy="4114800"/>
           </a:xfrm>
         </p:spPr>
         <p:txBody>
@@ -9259,17 +9100,30 @@
           </a:bodyPr>
           <a:lstStyle/>
           <a:p>
-            <a:r>
-              <a:rPr lang="en-US" sz="4000" dirty="0"/>
-              <a:t>Database Management System</a:t>
-            </a:r>
+            <a:pPr>
+              <a:lnSpc>
+                <a:spcPct val="90000"/>
+              </a:lnSpc>
+            </a:pPr>
+            <a:r>
+              <a:rPr lang="en-US" sz="2800" dirty="0"/>
+              <a:t>What data do we need?</a:t>
+            </a:r>
+          </a:p>
+          <a:p>
+            <a:pPr lvl="1">
+              <a:lnSpc>
+                <a:spcPct val="90000"/>
+              </a:lnSpc>
+            </a:pPr>
+            <a:endParaRPr lang="en-US" sz="2400" dirty="0"/>
           </a:p>
         </p:txBody>
       </p:sp>
     </p:spTree>
     <p:extLst>
       <p:ext uri="{BB962C8B-B14F-4D97-AF65-F5344CB8AC3E}">
-        <p14:creationId xmlns:p14="http://schemas.microsoft.com/office/powerpoint/2010/main" val="1655712008"/>
+        <p14:creationId xmlns:p14="http://schemas.microsoft.com/office/powerpoint/2010/main" val="2579471183"/>
       </p:ext>
     </p:extLst>
   </p:cSld>
@@ -9358,6 +9212,50 @@
                 <a:spcPct val="90000"/>
               </a:lnSpc>
             </a:pPr>
+            <a:r>
+              <a:rPr lang="en-US" sz="2400" dirty="0"/>
+              <a:t>Data about books, customers, pending orders, order histories, trends, preferences, etc.</a:t>
+            </a:r>
+          </a:p>
+          <a:p>
+            <a:pPr lvl="1">
+              <a:lnSpc>
+                <a:spcPct val="90000"/>
+              </a:lnSpc>
+            </a:pPr>
+            <a:r>
+              <a:rPr lang="en-US" sz="2400" dirty="0"/>
+              <a:t>Data about sessions (clicks, pages, searches)</a:t>
+            </a:r>
+          </a:p>
+          <a:p>
+            <a:pPr lvl="1">
+              <a:lnSpc>
+                <a:spcPct val="90000"/>
+              </a:lnSpc>
+            </a:pPr>
+            <a:r>
+              <a:rPr lang="en-US" sz="2400" dirty="0"/>
+              <a:t>Note: data must be persistent! Outlive application</a:t>
+            </a:r>
+          </a:p>
+          <a:p>
+            <a:pPr lvl="1">
+              <a:lnSpc>
+                <a:spcPct val="90000"/>
+              </a:lnSpc>
+            </a:pPr>
+            <a:r>
+              <a:rPr lang="en-US" sz="2400" dirty="0"/>
+              <a:t>Also note that data is large… won’t fit all in memory</a:t>
+            </a:r>
+          </a:p>
+          <a:p>
+            <a:pPr lvl="1">
+              <a:lnSpc>
+                <a:spcPct val="90000"/>
+              </a:lnSpc>
+            </a:pPr>
             <a:endParaRPr lang="en-US" sz="2400" dirty="0"/>
           </a:p>
         </p:txBody>
@@ -9365,7 +9263,7 @@
     </p:spTree>
     <p:extLst>
       <p:ext uri="{BB962C8B-B14F-4D97-AF65-F5344CB8AC3E}">
-        <p14:creationId xmlns:p14="http://schemas.microsoft.com/office/powerpoint/2010/main" val="2579471183"/>
+        <p14:creationId xmlns:p14="http://schemas.microsoft.com/office/powerpoint/2010/main" val="658990888"/>
       </p:ext>
     </p:extLst>
   </p:cSld>
@@ -9493,6 +9391,17 @@
             </a:r>
           </a:p>
           <a:p>
+            <a:pPr>
+              <a:lnSpc>
+                <a:spcPct val="90000"/>
+              </a:lnSpc>
+            </a:pPr>
+            <a:r>
+              <a:rPr lang="en-US" sz="2800" dirty="0"/>
+              <a:t>What capabilities on the data do we need?</a:t>
+            </a:r>
+          </a:p>
+          <a:p>
             <a:pPr lvl="1">
               <a:lnSpc>
                 <a:spcPct val="90000"/>
@@ -9505,7 +9414,7 @@
     </p:spTree>
     <p:extLst>
       <p:ext uri="{BB962C8B-B14F-4D97-AF65-F5344CB8AC3E}">
-        <p14:creationId xmlns:p14="http://schemas.microsoft.com/office/powerpoint/2010/main" val="658990888"/>
+        <p14:creationId xmlns:p14="http://schemas.microsoft.com/office/powerpoint/2010/main" val="1888824002"/>
       </p:ext>
     </p:extLst>
   </p:cSld>
@@ -9551,7 +9460,14 @@
           <a:p>
             <a:r>
               <a:rPr lang="en-US" sz="4000" dirty="0"/>
-              <a:t>An Example: Online Bookseller</a:t>
+              <a:t>An Example: </a:t>
+            </a:r>
+            <a:br>
+              <a:rPr lang="en-US" sz="4000" dirty="0"/>
+            </a:br>
+            <a:r>
+              <a:rPr lang="en-US" sz="4000" dirty="0"/>
+              <a:t>Online   Bookseller</a:t>
             </a:r>
           </a:p>
         </p:txBody>
@@ -9574,7 +9490,7 @@
         </p:spPr>
         <p:txBody>
           <a:bodyPr>
-            <a:normAutofit/>
+            <a:normAutofit fontScale="92500" lnSpcReduction="10000"/>
           </a:bodyPr>
           <a:lstStyle/>
           <a:p>
@@ -9649,6 +9565,39 @@
                 <a:spcPct val="90000"/>
               </a:lnSpc>
             </a:pPr>
+            <a:r>
+              <a:rPr lang="en-US" sz="2400" dirty="0"/>
+              <a:t>Insert/remove books, find books by author/title/etc., analyze past order history, recommend books, …</a:t>
+            </a:r>
+          </a:p>
+          <a:p>
+            <a:pPr lvl="1">
+              <a:lnSpc>
+                <a:spcPct val="90000"/>
+              </a:lnSpc>
+            </a:pPr>
+            <a:r>
+              <a:rPr lang="en-US" sz="2400" dirty="0"/>
+              <a:t>Data must be accessed efficiently, by many users</a:t>
+            </a:r>
+          </a:p>
+          <a:p>
+            <a:pPr lvl="1">
+              <a:lnSpc>
+                <a:spcPct val="90000"/>
+              </a:lnSpc>
+            </a:pPr>
+            <a:r>
+              <a:rPr lang="en-US" sz="2400" dirty="0"/>
+              <a:t>Data must be safe from failures and malicious users</a:t>
+            </a:r>
+          </a:p>
+          <a:p>
+            <a:pPr lvl="1">
+              <a:lnSpc>
+                <a:spcPct val="90000"/>
+              </a:lnSpc>
+            </a:pPr>
             <a:endParaRPr lang="en-US" sz="2400" dirty="0"/>
           </a:p>
         </p:txBody>
@@ -9656,7 +9605,7 @@
     </p:spTree>
     <p:extLst>
       <p:ext uri="{BB962C8B-B14F-4D97-AF65-F5344CB8AC3E}">
-        <p14:creationId xmlns:p14="http://schemas.microsoft.com/office/powerpoint/2010/main" val="1888824002"/>
+        <p14:creationId xmlns:p14="http://schemas.microsoft.com/office/powerpoint/2010/main" val="1080909245"/>
       </p:ext>
     </p:extLst>
   </p:cSld>
@@ -9702,14 +9651,14 @@
           <a:p>
             <a:r>
               <a:rPr lang="en-US" sz="4000" dirty="0"/>
-              <a:t>An Example: </a:t>
+              <a:t>An  Example: </a:t>
             </a:r>
             <a:br>
               <a:rPr lang="en-US" sz="4000" dirty="0"/>
             </a:br>
             <a:r>
               <a:rPr lang="en-US" sz="4000" dirty="0"/>
-              <a:t>Online   Bookseller</a:t>
+              <a:t>Online  Bookseller</a:t>
             </a:r>
           </a:p>
         </p:txBody>
@@ -9732,19 +9681,31 @@
         </p:spPr>
         <p:txBody>
           <a:bodyPr>
-            <a:normAutofit fontScale="92500" lnSpcReduction="10000"/>
+            <a:normAutofit/>
           </a:bodyPr>
           <a:lstStyle/>
           <a:p>
-            <a:pPr>
+            <a:pPr marL="457200" indent="-457200">
               <a:lnSpc>
                 <a:spcPct val="90000"/>
               </a:lnSpc>
+              <a:buFont typeface="Arial" charset="0"/>
+              <a:buChar char="•"/>
             </a:pPr>
             <a:r>
               <a:rPr lang="en-US" sz="2800" dirty="0"/>
-              <a:t>What data do we need?</a:t>
-            </a:r>
+              <a:t>What can go wrong?</a:t>
+            </a:r>
+          </a:p>
+          <a:p>
+            <a:pPr marL="914400" lvl="1" indent="-457200">
+              <a:lnSpc>
+                <a:spcPct val="90000"/>
+              </a:lnSpc>
+              <a:buFont typeface="Arial" charset="0"/>
+              <a:buChar char="•"/>
+            </a:pPr>
+            <a:endParaRPr lang="en-US" sz="2400" i="1" dirty="0"/>
           </a:p>
           <a:p>
             <a:pPr lvl="1">
@@ -9752,94 +9713,6 @@
                 <a:spcPct val="90000"/>
               </a:lnSpc>
             </a:pPr>
-            <a:r>
-              <a:rPr lang="en-US" sz="2400" dirty="0"/>
-              <a:t>Data about books, customers, pending orders, order histories, trends, preferences, etc.</a:t>
-            </a:r>
-          </a:p>
-          <a:p>
-            <a:pPr lvl="1">
-              <a:lnSpc>
-                <a:spcPct val="90000"/>
-              </a:lnSpc>
-            </a:pPr>
-            <a:r>
-              <a:rPr lang="en-US" sz="2400" dirty="0"/>
-              <a:t>Data about sessions (clicks, pages, searches)</a:t>
-            </a:r>
-          </a:p>
-          <a:p>
-            <a:pPr lvl="1">
-              <a:lnSpc>
-                <a:spcPct val="90000"/>
-              </a:lnSpc>
-            </a:pPr>
-            <a:r>
-              <a:rPr lang="en-US" sz="2400" dirty="0"/>
-              <a:t>Note: data must be persistent! Outlive application</a:t>
-            </a:r>
-          </a:p>
-          <a:p>
-            <a:pPr lvl="1">
-              <a:lnSpc>
-                <a:spcPct val="90000"/>
-              </a:lnSpc>
-            </a:pPr>
-            <a:r>
-              <a:rPr lang="en-US" sz="2400" dirty="0"/>
-              <a:t>Also note that data is large… won’t fit all in memory</a:t>
-            </a:r>
-          </a:p>
-          <a:p>
-            <a:pPr>
-              <a:lnSpc>
-                <a:spcPct val="90000"/>
-              </a:lnSpc>
-            </a:pPr>
-            <a:r>
-              <a:rPr lang="en-US" sz="2800" dirty="0"/>
-              <a:t>What capabilities on the data do we need?</a:t>
-            </a:r>
-          </a:p>
-          <a:p>
-            <a:pPr lvl="1">
-              <a:lnSpc>
-                <a:spcPct val="90000"/>
-              </a:lnSpc>
-            </a:pPr>
-            <a:r>
-              <a:rPr lang="en-US" sz="2400" dirty="0"/>
-              <a:t>Insert/remove books, find books by author/title/etc., analyze past order history, recommend books, …</a:t>
-            </a:r>
-          </a:p>
-          <a:p>
-            <a:pPr lvl="1">
-              <a:lnSpc>
-                <a:spcPct val="90000"/>
-              </a:lnSpc>
-            </a:pPr>
-            <a:r>
-              <a:rPr lang="en-US" sz="2400" dirty="0"/>
-              <a:t>Data must be accessed efficiently, by many users</a:t>
-            </a:r>
-          </a:p>
-          <a:p>
-            <a:pPr lvl="1">
-              <a:lnSpc>
-                <a:spcPct val="90000"/>
-              </a:lnSpc>
-            </a:pPr>
-            <a:r>
-              <a:rPr lang="en-US" sz="2400" dirty="0"/>
-              <a:t>Data must be safe from failures and malicious users</a:t>
-            </a:r>
-          </a:p>
-          <a:p>
-            <a:pPr lvl="1">
-              <a:lnSpc>
-                <a:spcPct val="90000"/>
-              </a:lnSpc>
-            </a:pPr>
             <a:endParaRPr lang="en-US" sz="2400" dirty="0"/>
           </a:p>
         </p:txBody>
@@ -9847,7 +9720,7 @@
     </p:spTree>
     <p:extLst>
       <p:ext uri="{BB962C8B-B14F-4D97-AF65-F5344CB8AC3E}">
-        <p14:creationId xmlns:p14="http://schemas.microsoft.com/office/powerpoint/2010/main" val="1080909245"/>
+        <p14:creationId xmlns:p14="http://schemas.microsoft.com/office/powerpoint/2010/main" val="1955548211"/>
       </p:ext>
     </p:extLst>
   </p:cSld>
@@ -10161,6 +10034,42 @@
               <a:buFont typeface="Arial" charset="0"/>
               <a:buChar char="•"/>
             </a:pPr>
+            <a:r>
+              <a:rPr lang="en-US" sz="2400" i="1" dirty="0"/>
+              <a:t>It depends on how well you store the data</a:t>
+            </a:r>
+          </a:p>
+          <a:p>
+            <a:pPr marL="914400" lvl="1" indent="-457200">
+              <a:lnSpc>
+                <a:spcPct val="90000"/>
+              </a:lnSpc>
+              <a:buFont typeface="Arial" charset="0"/>
+              <a:buChar char="•"/>
+            </a:pPr>
+            <a:r>
+              <a:rPr lang="en-US" sz="2400" dirty="0"/>
+              <a:t>Suppose we store everything we need in a big text file (or a .csv if we get fancy)</a:t>
+            </a:r>
+          </a:p>
+          <a:p>
+            <a:pPr marL="914400" lvl="1" indent="-457200">
+              <a:lnSpc>
+                <a:spcPct val="90000"/>
+              </a:lnSpc>
+              <a:buFont typeface="Arial" charset="0"/>
+              <a:buChar char="•"/>
+            </a:pPr>
+            <a:endParaRPr lang="en-US" sz="2400" dirty="0"/>
+          </a:p>
+          <a:p>
+            <a:pPr marL="914400" lvl="1" indent="-457200">
+              <a:lnSpc>
+                <a:spcPct val="90000"/>
+              </a:lnSpc>
+              <a:buFont typeface="Arial" charset="0"/>
+              <a:buChar char="•"/>
+            </a:pPr>
             <a:endParaRPr lang="en-US" sz="2400" i="1" dirty="0"/>
           </a:p>
           <a:p>
@@ -10176,7 +10085,7 @@
     </p:spTree>
     <p:extLst>
       <p:ext uri="{BB962C8B-B14F-4D97-AF65-F5344CB8AC3E}">
-        <p14:creationId xmlns:p14="http://schemas.microsoft.com/office/powerpoint/2010/main" val="1955548211"/>
+        <p14:creationId xmlns:p14="http://schemas.microsoft.com/office/powerpoint/2010/main" val="396973995"/>
       </p:ext>
     </p:extLst>
   </p:cSld>
@@ -10222,14 +10131,7 @@
           <a:p>
             <a:r>
               <a:rPr lang="en-US" sz="4000" dirty="0"/>
-              <a:t>An  Example: </a:t>
-            </a:r>
-            <a:br>
-              <a:rPr lang="en-US" sz="4000" dirty="0"/>
-            </a:br>
-            <a:r>
-              <a:rPr lang="en-US" sz="4000" dirty="0"/>
-              <a:t>Online  Bookseller</a:t>
+              <a:t>An Example: Online Bookseller</a:t>
             </a:r>
           </a:p>
         </p:txBody>
@@ -10295,6 +10197,71 @@
             </a:r>
           </a:p>
           <a:p>
+            <a:pPr marL="1600200" lvl="2" indent="-457200">
+              <a:lnSpc>
+                <a:spcPct val="90000"/>
+              </a:lnSpc>
+              <a:buFont typeface="Arial" charset="0"/>
+              <a:buChar char="•"/>
+            </a:pPr>
+            <a:r>
+              <a:rPr lang="en-US" sz="2200" dirty="0"/>
+              <a:t>Related data?</a:t>
+            </a:r>
+          </a:p>
+          <a:p>
+            <a:pPr marL="1600200" lvl="2" indent="-457200">
+              <a:lnSpc>
+                <a:spcPct val="90000"/>
+              </a:lnSpc>
+              <a:buFont typeface="Arial" charset="0"/>
+              <a:buChar char="•"/>
+            </a:pPr>
+            <a:r>
+              <a:rPr lang="en-US" sz="2200" dirty="0"/>
+              <a:t>Concurrent access?</a:t>
+            </a:r>
+          </a:p>
+          <a:p>
+            <a:pPr marL="1600200" lvl="2" indent="-457200">
+              <a:lnSpc>
+                <a:spcPct val="90000"/>
+              </a:lnSpc>
+              <a:buFont typeface="Arial" charset="0"/>
+              <a:buChar char="•"/>
+            </a:pPr>
+            <a:r>
+              <a:rPr lang="en-US" sz="2200" dirty="0"/>
+              <a:t>Consistency?</a:t>
+            </a:r>
+          </a:p>
+          <a:p>
+            <a:pPr marL="1600200" lvl="2" indent="-457200">
+              <a:lnSpc>
+                <a:spcPct val="90000"/>
+              </a:lnSpc>
+              <a:buFont typeface="Arial" charset="0"/>
+              <a:buChar char="•"/>
+            </a:pPr>
+            <a:r>
+              <a:rPr lang="en-US" sz="2200" dirty="0"/>
+              <a:t>Runtime?</a:t>
+            </a:r>
+          </a:p>
+          <a:p>
+            <a:pPr marL="1600200" lvl="2" indent="-457200">
+              <a:lnSpc>
+                <a:spcPct val="90000"/>
+              </a:lnSpc>
+              <a:buFont typeface="Arial" charset="0"/>
+              <a:buChar char="•"/>
+            </a:pPr>
+            <a:r>
+              <a:rPr lang="en-US" sz="2200" dirty="0"/>
+              <a:t>Planning?</a:t>
+            </a:r>
+          </a:p>
+          <a:p>
             <a:pPr marL="914400" lvl="1" indent="-457200">
               <a:lnSpc>
                 <a:spcPct val="90000"/>
@@ -10302,16 +10269,6 @@
               <a:buFont typeface="Arial" charset="0"/>
               <a:buChar char="•"/>
             </a:pPr>
-            <a:endParaRPr lang="en-US" sz="2400" dirty="0"/>
-          </a:p>
-          <a:p>
-            <a:pPr marL="914400" lvl="1" indent="-457200">
-              <a:lnSpc>
-                <a:spcPct val="90000"/>
-              </a:lnSpc>
-              <a:buFont typeface="Arial" charset="0"/>
-              <a:buChar char="•"/>
-            </a:pPr>
             <a:endParaRPr lang="en-US" sz="2400" i="1" dirty="0"/>
           </a:p>
           <a:p>
@@ -10327,7 +10284,7 @@
     </p:spTree>
     <p:extLst>
       <p:ext uri="{BB962C8B-B14F-4D97-AF65-F5344CB8AC3E}">
-        <p14:creationId xmlns:p14="http://schemas.microsoft.com/office/powerpoint/2010/main" val="396973995"/>
+        <p14:creationId xmlns:p14="http://schemas.microsoft.com/office/powerpoint/2010/main" val="1815051303"/>
       </p:ext>
     </p:extLst>
   </p:cSld>
@@ -10356,12 +10313,34 @@
       </p:grpSpPr>
       <p:sp>
         <p:nvSpPr>
-          <p:cNvPr id="162818" name="Rectangle 2"/>
+          <p:cNvPr id="31746" name="Rectangle 2"/>
           <p:cNvSpPr>
             <a:spLocks noGrp="1" noChangeArrowheads="1"/>
           </p:cNvSpPr>
           <p:nvPr>
             <p:ph type="title"/>
+          </p:nvPr>
+        </p:nvSpPr>
+        <p:spPr/>
+        <p:txBody>
+          <a:bodyPr/>
+          <a:lstStyle/>
+          <a:p>
+            <a:r>
+              <a:rPr lang="en-US" dirty="0"/>
+              <a:t>What a DBMS Does</a:t>
+            </a:r>
+          </a:p>
+        </p:txBody>
+      </p:sp>
+      <p:sp>
+        <p:nvSpPr>
+          <p:cNvPr id="31747" name="Rectangle 3"/>
+          <p:cNvSpPr>
+            <a:spLocks noGrp="1" noChangeArrowheads="1"/>
+          </p:cNvSpPr>
+          <p:nvPr>
+            <p:ph type="body" idx="1"/>
           </p:nvPr>
         </p:nvSpPr>
         <p:spPr/>
@@ -10371,147 +10350,37 @@
           </a:bodyPr>
           <a:lstStyle/>
           <a:p>
-            <a:r>
-              <a:rPr lang="en-US" sz="4000" dirty="0"/>
-              <a:t>An Example: Online Bookseller</a:t>
-            </a:r>
-          </a:p>
-        </p:txBody>
-      </p:sp>
-      <p:sp>
-        <p:nvSpPr>
-          <p:cNvPr id="162819" name="Rectangle 3"/>
-          <p:cNvSpPr>
-            <a:spLocks noGrp="1" noChangeArrowheads="1"/>
-          </p:cNvSpPr>
-          <p:nvPr>
-            <p:ph idx="1"/>
-          </p:nvPr>
-        </p:nvSpPr>
-        <p:spPr>
-          <a:xfrm>
-            <a:off x="457200" y="1752600"/>
-            <a:ext cx="8153400" cy="4114800"/>
-          </a:xfrm>
-        </p:spPr>
-        <p:txBody>
-          <a:bodyPr>
-            <a:normAutofit/>
-          </a:bodyPr>
-          <a:lstStyle/>
-          <a:p>
-            <a:pPr marL="457200" indent="-457200">
+            <a:pPr>
               <a:lnSpc>
                 <a:spcPct val="90000"/>
               </a:lnSpc>
-              <a:buFont typeface="Arial" charset="0"/>
-              <a:buChar char="•"/>
-            </a:pPr>
-            <a:r>
-              <a:rPr lang="en-US" sz="2800" dirty="0"/>
-              <a:t>What can go wrong?</a:t>
-            </a:r>
-          </a:p>
-          <a:p>
-            <a:pPr marL="914400" lvl="1" indent="-457200">
+            </a:pPr>
+            <a:r>
+              <a:rPr lang="en-US" sz="2400" dirty="0"/>
+              <a:t>Describe real-world entities in terms of stored data</a:t>
+            </a:r>
+          </a:p>
+          <a:p>
+            <a:pPr>
               <a:lnSpc>
                 <a:spcPct val="90000"/>
               </a:lnSpc>
-              <a:buFont typeface="Arial" charset="0"/>
-              <a:buChar char="•"/>
-            </a:pPr>
-            <a:r>
-              <a:rPr lang="en-US" sz="2400" i="1" dirty="0"/>
-              <a:t>It depends on how well you store the data</a:t>
-            </a:r>
-          </a:p>
-          <a:p>
-            <a:pPr marL="914400" lvl="1" indent="-457200">
+            </a:pPr>
+            <a:r>
+              <a:rPr lang="en-US" sz="2400" dirty="0"/>
+              <a:t>Persistently store large datasets</a:t>
+            </a:r>
+          </a:p>
+          <a:p>
+            <a:pPr>
               <a:lnSpc>
                 <a:spcPct val="90000"/>
               </a:lnSpc>
-              <a:buFont typeface="Arial" charset="0"/>
-              <a:buChar char="•"/>
             </a:pPr>
             <a:r>
               <a:rPr lang="en-US" sz="2400" dirty="0"/>
-              <a:t>Suppose we store everything we need in a big text file (or a .csv if we get fancy)</a:t>
-            </a:r>
-          </a:p>
-          <a:p>
-            <a:pPr marL="1600200" lvl="2" indent="-457200">
-              <a:lnSpc>
-                <a:spcPct val="90000"/>
-              </a:lnSpc>
-              <a:buFont typeface="Arial" charset="0"/>
-              <a:buChar char="•"/>
-            </a:pPr>
-            <a:r>
-              <a:rPr lang="en-US" sz="2200" dirty="0"/>
-              <a:t>Related data?</a:t>
-            </a:r>
-          </a:p>
-          <a:p>
-            <a:pPr marL="1600200" lvl="2" indent="-457200">
-              <a:lnSpc>
-                <a:spcPct val="90000"/>
-              </a:lnSpc>
-              <a:buFont typeface="Arial" charset="0"/>
-              <a:buChar char="•"/>
-            </a:pPr>
-            <a:r>
-              <a:rPr lang="en-US" sz="2200" dirty="0"/>
-              <a:t>Concurrent access?</a:t>
-            </a:r>
-          </a:p>
-          <a:p>
-            <a:pPr marL="1600200" lvl="2" indent="-457200">
-              <a:lnSpc>
-                <a:spcPct val="90000"/>
-              </a:lnSpc>
-              <a:buFont typeface="Arial" charset="0"/>
-              <a:buChar char="•"/>
-            </a:pPr>
-            <a:r>
-              <a:rPr lang="en-US" sz="2200" dirty="0"/>
-              <a:t>Consistency?</a:t>
-            </a:r>
-          </a:p>
-          <a:p>
-            <a:pPr marL="1600200" lvl="2" indent="-457200">
-              <a:lnSpc>
-                <a:spcPct val="90000"/>
-              </a:lnSpc>
-              <a:buFont typeface="Arial" charset="0"/>
-              <a:buChar char="•"/>
-            </a:pPr>
-            <a:r>
-              <a:rPr lang="en-US" sz="2200" dirty="0"/>
-              <a:t>Runtime?</a:t>
-            </a:r>
-          </a:p>
-          <a:p>
-            <a:pPr marL="1600200" lvl="2" indent="-457200">
-              <a:lnSpc>
-                <a:spcPct val="90000"/>
-              </a:lnSpc>
-              <a:buFont typeface="Arial" charset="0"/>
-              <a:buChar char="•"/>
-            </a:pPr>
-            <a:r>
-              <a:rPr lang="en-US" sz="2200" dirty="0"/>
-              <a:t>Planning?</a:t>
-            </a:r>
-          </a:p>
-          <a:p>
-            <a:pPr marL="914400" lvl="1" indent="-457200">
-              <a:lnSpc>
-                <a:spcPct val="90000"/>
-              </a:lnSpc>
-              <a:buFont typeface="Arial" charset="0"/>
-              <a:buChar char="•"/>
-            </a:pPr>
-            <a:endParaRPr lang="en-US" sz="2400" i="1" dirty="0"/>
+              <a:t>Efficiently query &amp; update</a:t>
+            </a:r>
           </a:p>
           <a:p>
             <a:pPr lvl="1">
@@ -10519,14 +10388,83 @@
                 <a:spcPct val="90000"/>
               </a:lnSpc>
             </a:pPr>
-            <a:endParaRPr lang="en-US" sz="2400" dirty="0"/>
+            <a:r>
+              <a:rPr lang="en-US" sz="2000" dirty="0"/>
+              <a:t>Must handle complex questions about data</a:t>
+            </a:r>
+          </a:p>
+          <a:p>
+            <a:pPr lvl="1">
+              <a:lnSpc>
+                <a:spcPct val="90000"/>
+              </a:lnSpc>
+            </a:pPr>
+            <a:r>
+              <a:rPr lang="en-US" sz="2000" dirty="0"/>
+              <a:t>Must handle sophisticated updates</a:t>
+            </a:r>
+          </a:p>
+          <a:p>
+            <a:pPr lvl="1">
+              <a:lnSpc>
+                <a:spcPct val="90000"/>
+              </a:lnSpc>
+            </a:pPr>
+            <a:r>
+              <a:rPr lang="en-US" sz="2000" dirty="0"/>
+              <a:t>Performance matters</a:t>
+            </a:r>
+          </a:p>
+          <a:p>
+            <a:pPr>
+              <a:lnSpc>
+                <a:spcPct val="90000"/>
+              </a:lnSpc>
+            </a:pPr>
+            <a:r>
+              <a:rPr lang="en-US" sz="2400" dirty="0"/>
+              <a:t>Change structure (e.g., add attributes)</a:t>
+            </a:r>
+          </a:p>
+          <a:p>
+            <a:pPr>
+              <a:lnSpc>
+                <a:spcPct val="90000"/>
+              </a:lnSpc>
+            </a:pPr>
+            <a:r>
+              <a:rPr lang="en-US" sz="2400" dirty="0"/>
+              <a:t>Concurrency control: enable simultaneous updates</a:t>
+            </a:r>
+          </a:p>
+          <a:p>
+            <a:pPr>
+              <a:lnSpc>
+                <a:spcPct val="90000"/>
+              </a:lnSpc>
+            </a:pPr>
+            <a:r>
+              <a:rPr lang="en-US" sz="2400" dirty="0"/>
+              <a:t>Crash recovery</a:t>
+            </a:r>
+          </a:p>
+          <a:p>
+            <a:pPr>
+              <a:lnSpc>
+                <a:spcPct val="90000"/>
+              </a:lnSpc>
+            </a:pPr>
+            <a:r>
+              <a:rPr lang="en-US" sz="2400" dirty="0"/>
+              <a:t>Security and integrity</a:t>
+            </a:r>
           </a:p>
         </p:txBody>
       </p:sp>
     </p:spTree>
     <p:extLst>
       <p:ext uri="{BB962C8B-B14F-4D97-AF65-F5344CB8AC3E}">
-        <p14:creationId xmlns:p14="http://schemas.microsoft.com/office/powerpoint/2010/main" val="1815051303"/>
+        <p14:creationId xmlns:p14="http://schemas.microsoft.com/office/powerpoint/2010/main" val="922266840"/>
       </p:ext>
     </p:extLst>
   </p:cSld>
@@ -10555,9 +10493,9 @@
       </p:grpSpPr>
       <p:sp>
         <p:nvSpPr>
-          <p:cNvPr id="31746" name="Rectangle 2"/>
-          <p:cNvSpPr>
-            <a:spLocks noGrp="1" noChangeArrowheads="1"/>
+          <p:cNvPr id="2" name="Title 1"/>
+          <p:cNvSpPr>
+            <a:spLocks noGrp="1"/>
           </p:cNvSpPr>
           <p:nvPr>
             <p:ph type="title"/>
@@ -10570,19 +10508,19 @@
           <a:p>
             <a:r>
               <a:rPr lang="en-US" dirty="0"/>
-              <a:t>What a DBMS Does</a:t>
-            </a:r>
-          </a:p>
-        </p:txBody>
-      </p:sp>
-      <p:sp>
-        <p:nvSpPr>
-          <p:cNvPr id="31747" name="Rectangle 3"/>
-          <p:cNvSpPr>
-            <a:spLocks noGrp="1" noChangeArrowheads="1"/>
-          </p:cNvSpPr>
-          <p:nvPr>
-            <p:ph type="body" idx="1"/>
+              <a:t>The  players</a:t>
+            </a:r>
+          </a:p>
+        </p:txBody>
+      </p:sp>
+      <p:sp>
+        <p:nvSpPr>
+          <p:cNvPr id="3" name="Content Placeholder 2"/>
+          <p:cNvSpPr>
+            <a:spLocks noGrp="1"/>
+          </p:cNvSpPr>
+          <p:nvPr>
+            <p:ph idx="1"/>
           </p:nvPr>
         </p:nvSpPr>
         <p:spPr/>
@@ -10592,113 +10530,53 @@
           </a:bodyPr>
           <a:lstStyle/>
           <a:p>
-            <a:pPr>
-              <a:lnSpc>
-                <a:spcPct val="90000"/>
-              </a:lnSpc>
-            </a:pPr>
-            <a:r>
-              <a:rPr lang="en-US" sz="2400" dirty="0"/>
-              <a:t>Describe real-world entities in terms of stored data</a:t>
-            </a:r>
-          </a:p>
-          <a:p>
-            <a:pPr>
-              <a:lnSpc>
-                <a:spcPct val="90000"/>
-              </a:lnSpc>
-            </a:pPr>
-            <a:r>
-              <a:rPr lang="en-US" sz="2400" dirty="0"/>
-              <a:t>Persistently store large datasets</a:t>
-            </a:r>
-          </a:p>
-          <a:p>
-            <a:pPr>
-              <a:lnSpc>
-                <a:spcPct val="90000"/>
-              </a:lnSpc>
-            </a:pPr>
-            <a:r>
-              <a:rPr lang="en-US" sz="2400" dirty="0"/>
-              <a:t>Efficiently query &amp; update</a:t>
-            </a:r>
-          </a:p>
-          <a:p>
-            <a:pPr lvl="1">
-              <a:lnSpc>
-                <a:spcPct val="90000"/>
-              </a:lnSpc>
-            </a:pPr>
-            <a:r>
-              <a:rPr lang="en-US" sz="2000" dirty="0"/>
-              <a:t>Must handle complex questions about data</a:t>
-            </a:r>
-          </a:p>
-          <a:p>
-            <a:pPr lvl="1">
-              <a:lnSpc>
-                <a:spcPct val="90000"/>
-              </a:lnSpc>
-            </a:pPr>
-            <a:r>
-              <a:rPr lang="en-US" sz="2000" dirty="0"/>
-              <a:t>Must handle sophisticated updates</a:t>
-            </a:r>
-          </a:p>
-          <a:p>
-            <a:pPr lvl="1">
-              <a:lnSpc>
-                <a:spcPct val="90000"/>
-              </a:lnSpc>
-            </a:pPr>
-            <a:r>
-              <a:rPr lang="en-US" sz="2000" dirty="0"/>
-              <a:t>Performance matters</a:t>
-            </a:r>
-          </a:p>
-          <a:p>
-            <a:pPr>
-              <a:lnSpc>
-                <a:spcPct val="90000"/>
-              </a:lnSpc>
-            </a:pPr>
-            <a:r>
-              <a:rPr lang="en-US" sz="2400" dirty="0"/>
-              <a:t>Change structure (e.g., add attributes)</a:t>
-            </a:r>
-          </a:p>
-          <a:p>
-            <a:pPr>
-              <a:lnSpc>
-                <a:spcPct val="90000"/>
-              </a:lnSpc>
-            </a:pPr>
-            <a:r>
-              <a:rPr lang="en-US" sz="2400" dirty="0"/>
-              <a:t>Concurrency control: enable simultaneous updates</a:t>
-            </a:r>
-          </a:p>
-          <a:p>
-            <a:pPr>
-              <a:lnSpc>
-                <a:spcPct val="90000"/>
-              </a:lnSpc>
-            </a:pPr>
-            <a:r>
-              <a:rPr lang="en-US" sz="2400" dirty="0"/>
-              <a:t>Crash recovery</a:t>
-            </a:r>
-          </a:p>
-          <a:p>
-            <a:pPr>
-              <a:lnSpc>
-                <a:spcPct val="90000"/>
-              </a:lnSpc>
-            </a:pPr>
-            <a:r>
-              <a:rPr lang="en-US" sz="2400" dirty="0"/>
-              <a:t>Security and integrity</a:t>
+            <a:r>
+              <a:rPr lang="en-US" sz="2800" b="1" dirty="0"/>
+              <a:t>DB application developer</a:t>
+            </a:r>
+            <a:r>
+              <a:rPr lang="en-US" sz="2800" dirty="0"/>
+              <a:t> writes programs that query and modify data </a:t>
+            </a:r>
+          </a:p>
+          <a:p>
+            <a:r>
+              <a:rPr lang="en-US" sz="2800" b="1" dirty="0"/>
+              <a:t>DB designer</a:t>
+            </a:r>
+            <a:r>
+              <a:rPr lang="en-US" sz="2800" dirty="0"/>
+              <a:t>: establishes schema </a:t>
+            </a:r>
+          </a:p>
+          <a:p>
+            <a:r>
+              <a:rPr lang="en-US" sz="2800" b="1" dirty="0"/>
+              <a:t>DB administrator</a:t>
+            </a:r>
+            <a:r>
+              <a:rPr lang="en-US" sz="2800" dirty="0"/>
+              <a:t>: loads data, tunes system, keeps whole thing running</a:t>
+            </a:r>
+          </a:p>
+          <a:p>
+            <a:r>
+              <a:rPr lang="en-US" sz="2800" b="1" dirty="0"/>
+              <a:t>Data analyst</a:t>
+            </a:r>
+            <a:r>
+              <a:rPr lang="en-US" sz="2800" dirty="0"/>
+              <a:t>: data mining, data integration </a:t>
+            </a:r>
+          </a:p>
+          <a:p>
+            <a:r>
+              <a:rPr lang="en-US" sz="2800" b="1" dirty="0"/>
+              <a:t>DBMS implementor</a:t>
+            </a:r>
+            <a:r>
+              <a:rPr lang="en-US" sz="2800" dirty="0"/>
+              <a:t>: builds the DBMS</a:t>
             </a:r>
           </a:p>
         </p:txBody>
@@ -10706,7 +10584,7 @@
     </p:spTree>
     <p:extLst>
       <p:ext uri="{BB962C8B-B14F-4D97-AF65-F5344CB8AC3E}">
-        <p14:creationId xmlns:p14="http://schemas.microsoft.com/office/powerpoint/2010/main" val="922266840"/>
+        <p14:creationId xmlns:p14="http://schemas.microsoft.com/office/powerpoint/2010/main" val="2792282415"/>
       </p:ext>
     </p:extLst>
   </p:cSld>
@@ -10735,126 +10613,6 @@
       </p:grpSpPr>
       <p:sp>
         <p:nvSpPr>
-          <p:cNvPr id="2" name="Title 1"/>
-          <p:cNvSpPr>
-            <a:spLocks noGrp="1"/>
-          </p:cNvSpPr>
-          <p:nvPr>
-            <p:ph type="title"/>
-          </p:nvPr>
-        </p:nvSpPr>
-        <p:spPr/>
-        <p:txBody>
-          <a:bodyPr/>
-          <a:lstStyle/>
-          <a:p>
-            <a:r>
-              <a:rPr lang="en-US" dirty="0"/>
-              <a:t>The  players</a:t>
-            </a:r>
-          </a:p>
-        </p:txBody>
-      </p:sp>
-      <p:sp>
-        <p:nvSpPr>
-          <p:cNvPr id="3" name="Content Placeholder 2"/>
-          <p:cNvSpPr>
-            <a:spLocks noGrp="1"/>
-          </p:cNvSpPr>
-          <p:nvPr>
-            <p:ph idx="1"/>
-          </p:nvPr>
-        </p:nvSpPr>
-        <p:spPr/>
-        <p:txBody>
-          <a:bodyPr>
-            <a:normAutofit/>
-          </a:bodyPr>
-          <a:lstStyle/>
-          <a:p>
-            <a:r>
-              <a:rPr lang="en-US" sz="2800" b="1" dirty="0"/>
-              <a:t>DB application developer</a:t>
-            </a:r>
-            <a:r>
-              <a:rPr lang="en-US" sz="2800" dirty="0"/>
-              <a:t> writes programs that query and modify data </a:t>
-            </a:r>
-          </a:p>
-          <a:p>
-            <a:r>
-              <a:rPr lang="en-US" sz="2800" b="1" dirty="0"/>
-              <a:t>DB designer</a:t>
-            </a:r>
-            <a:r>
-              <a:rPr lang="en-US" sz="2800" dirty="0"/>
-              <a:t>: establishes schema </a:t>
-            </a:r>
-          </a:p>
-          <a:p>
-            <a:r>
-              <a:rPr lang="en-US" sz="2800" b="1" dirty="0"/>
-              <a:t>DB administrator</a:t>
-            </a:r>
-            <a:r>
-              <a:rPr lang="en-US" sz="2800" dirty="0"/>
-              <a:t>: loads data, tunes system, keeps whole thing running</a:t>
-            </a:r>
-          </a:p>
-          <a:p>
-            <a:r>
-              <a:rPr lang="en-US" sz="2800" b="1" dirty="0"/>
-              <a:t>Data analyst</a:t>
-            </a:r>
-            <a:r>
-              <a:rPr lang="en-US" sz="2800" dirty="0"/>
-              <a:t>: data mining, data integration </a:t>
-            </a:r>
-          </a:p>
-          <a:p>
-            <a:r>
-              <a:rPr lang="en-US" sz="2800" b="1" dirty="0"/>
-              <a:t>DBMS implementor</a:t>
-            </a:r>
-            <a:r>
-              <a:rPr lang="en-US" sz="2800" dirty="0"/>
-              <a:t>: builds the DBMS</a:t>
-            </a:r>
-          </a:p>
-        </p:txBody>
-      </p:sp>
-    </p:spTree>
-    <p:extLst>
-      <p:ext uri="{BB962C8B-B14F-4D97-AF65-F5344CB8AC3E}">
-        <p14:creationId xmlns:p14="http://schemas.microsoft.com/office/powerpoint/2010/main" val="2792282415"/>
-      </p:ext>
-    </p:extLst>
-  </p:cSld>
-  <p:clrMapOvr>
-    <a:masterClrMapping/>
-  </p:clrMapOvr>
-</p:sld>
-</file>
-
-<file path=ppt/slides/slide35.xml><?xml version="1.0" encoding="utf-8"?>
-<p:sld xmlns:a="http://schemas.openxmlformats.org/drawingml/2006/main" xmlns:r="http://schemas.openxmlformats.org/officeDocument/2006/relationships" xmlns:p="http://schemas.openxmlformats.org/presentationml/2006/main">
-  <p:cSld>
-    <p:spTree>
-      <p:nvGrpSpPr>
-        <p:cNvPr id="1" name=""/>
-        <p:cNvGrpSpPr/>
-        <p:nvPr/>
-      </p:nvGrpSpPr>
-      <p:grpSpPr>
-        <a:xfrm>
-          <a:off x="0" y="0"/>
-          <a:ext cx="0" cy="0"/>
-          <a:chOff x="0" y="0"/>
-          <a:chExt cx="0" cy="0"/>
-        </a:xfrm>
-      </p:grpSpPr>
-      <p:sp>
-        <p:nvSpPr>
           <p:cNvPr id="218114" name="Rectangle 2"/>
           <p:cNvSpPr>
             <a:spLocks noGrp="1" noChangeArrowheads="1"/>
@@ -11008,7 +10766,7 @@
 </p:sld>
 </file>
 
-<file path=ppt/slides/slide36.xml><?xml version="1.0" encoding="utf-8"?>
+<file path=ppt/slides/slide35.xml><?xml version="1.0" encoding="utf-8"?>
 <p:sld xmlns:a="http://schemas.openxmlformats.org/drawingml/2006/main" xmlns:r="http://schemas.openxmlformats.org/officeDocument/2006/relationships" xmlns:p="http://schemas.openxmlformats.org/presentationml/2006/main">
   <p:cSld>
     <p:spTree>
@@ -11210,7 +10968,7 @@
 </p:sld>
 </file>
 
-<file path=ppt/slides/slide37.xml><?xml version="1.0" encoding="utf-8"?>
+<file path=ppt/slides/slide36.xml><?xml version="1.0" encoding="utf-8"?>
 <p:sld xmlns:a="http://schemas.openxmlformats.org/drawingml/2006/main" xmlns:r="http://schemas.openxmlformats.org/officeDocument/2006/relationships" xmlns:p="http://schemas.openxmlformats.org/presentationml/2006/main">
   <p:cSld>
     <p:spTree>
@@ -11709,7 +11467,7 @@
                   <a:srgbClr val="7030A0"/>
                 </a:solidFill>
               </a:rPr>
-              <a:t>       Ms. Padma Rishitha Pusapati</a:t>
+              <a:t>       TBDL</a:t>
             </a:r>
             <a:endParaRPr lang="en-US" sz="2400" i="0" strike="noStrike" dirty="0">
               <a:solidFill>
@@ -11750,25 +11508,7 @@
                 </a:solidFill>
                 <a:effectLst/>
               </a:rPr>
-              <a:t>https://</a:t>
-            </a:r>
-            <a:r>
-              <a:rPr lang="en-US" sz="1400" b="0" i="0" dirty="0" err="1">
-                <a:solidFill>
-                  <a:srgbClr val="222222"/>
-                </a:solidFill>
-                <a:effectLst/>
-              </a:rPr>
-              <a:t>www.linkedin.com</a:t>
-            </a:r>
-            <a:r>
-              <a:rPr lang="en-US" sz="1400" b="0" i="0" dirty="0">
-                <a:solidFill>
-                  <a:srgbClr val="222222"/>
-                </a:solidFill>
-                <a:effectLst/>
-              </a:rPr>
-              <a:t>/in/padma-rishitha-pusapati-a4480b291/ </a:t>
+              <a:t>TBDL</a:t>
             </a:r>
           </a:p>
           <a:p>
@@ -11793,12 +11533,12 @@
               <a:t> </a:t>
             </a:r>
             <a:r>
-              <a:rPr lang="en-US" sz="2800" b="0" dirty="0" err="1">
+              <a:rPr lang="en-US" sz="2800" b="0" dirty="0">
                 <a:solidFill>
                   <a:srgbClr val="222222"/>
                 </a:solidFill>
               </a:rPr>
-              <a:t>ppusapati@scu.edu</a:t>
+              <a:t>TBDL</a:t>
             </a:r>
             <a:endParaRPr lang="en-US" b="0" i="0" dirty="0">
               <a:solidFill>
@@ -11815,16 +11555,6 @@
             <a:r>
               <a:rPr lang="en-US" sz="2800" dirty="0"/>
               <a:t>MSIS Graduate Student @SCU</a:t>
-            </a:r>
-          </a:p>
-          <a:p>
-            <a:pPr marL="457200" indent="-457200">
-              <a:buFont typeface="Arial" charset="0"/>
-              <a:buChar char="•"/>
-            </a:pPr>
-            <a:r>
-              <a:rPr lang="en-US" sz="2800" dirty="0"/>
-              <a:t>Expected to Graduate: June 2025</a:t>
             </a:r>
           </a:p>
         </p:txBody>
@@ -12118,7 +11848,7 @@
           <p:nvPr>
             <p:extLst>
               <p:ext uri="{D42A27DB-BD31-4B8C-83A1-F6EECF244321}">
-                <p14:modId xmlns:p14="http://schemas.microsoft.com/office/powerpoint/2010/main" val="1287132776"/>
+                <p14:modId xmlns:p14="http://schemas.microsoft.com/office/powerpoint/2010/main" val="2233806419"/>
               </p:ext>
             </p:extLst>
           </p:nvPr>
@@ -12204,7 +11934,7 @@
                     <a:p>
                       <a:r>
                         <a:rPr lang="en-US" dirty="0"/>
-                        <a:t>40</a:t>
+                        <a:t>30</a:t>
                       </a:r>
                     </a:p>
                   </a:txBody>
@@ -12237,7 +11967,7 @@
                     <a:p>
                       <a:r>
                         <a:rPr lang="en-US" dirty="0"/>
-                        <a:t>30</a:t>
+                        <a:t>40</a:t>
                       </a:r>
                     </a:p>
                   </a:txBody>
